--- a/Scala_Features.pptx
+++ b/Scala_Features.pptx
@@ -7,15 +7,19 @@
   <p:sldIdLst>
     <p:sldId id="256" r:id="rId2"/>
     <p:sldId id="257" r:id="rId3"/>
-    <p:sldId id="270" r:id="rId4"/>
-    <p:sldId id="271" r:id="rId5"/>
-    <p:sldId id="272" r:id="rId6"/>
-    <p:sldId id="273" r:id="rId7"/>
-    <p:sldId id="274" r:id="rId8"/>
-    <p:sldId id="275" r:id="rId9"/>
-    <p:sldId id="276" r:id="rId10"/>
-    <p:sldId id="277" r:id="rId11"/>
-    <p:sldId id="269" r:id="rId12"/>
+    <p:sldId id="281" r:id="rId4"/>
+    <p:sldId id="280" r:id="rId5"/>
+    <p:sldId id="279" r:id="rId6"/>
+    <p:sldId id="270" r:id="rId7"/>
+    <p:sldId id="271" r:id="rId8"/>
+    <p:sldId id="272" r:id="rId9"/>
+    <p:sldId id="273" r:id="rId10"/>
+    <p:sldId id="274" r:id="rId11"/>
+    <p:sldId id="275" r:id="rId12"/>
+    <p:sldId id="276" r:id="rId13"/>
+    <p:sldId id="277" r:id="rId14"/>
+    <p:sldId id="278" r:id="rId15"/>
+    <p:sldId id="269" r:id="rId16"/>
   </p:sldIdLst>
   <p:sldSz cx="9144000" cy="6858000" type="screen4x3"/>
   <p:notesSz cx="6858000" cy="9144000"/>
@@ -305,7 +309,7 @@
           <a:p>
             <a:fld id="{8F235549-BF0A-4B98-8561-3786244E808C}" type="datetimeFigureOut">
               <a:rPr lang="en-US" smtClean="0"/>
-              <a:t>5/9/2017</a:t>
+              <a:t>5/13/2017</a:t>
             </a:fld>
             <a:endParaRPr lang="en-US"/>
           </a:p>
@@ -505,7 +509,7 @@
           <a:p>
             <a:fld id="{8F235549-BF0A-4B98-8561-3786244E808C}" type="datetimeFigureOut">
               <a:rPr lang="en-US" smtClean="0"/>
-              <a:t>5/9/2017</a:t>
+              <a:t>5/13/2017</a:t>
             </a:fld>
             <a:endParaRPr lang="en-US"/>
           </a:p>
@@ -680,7 +684,7 @@
           <a:p>
             <a:fld id="{8F235549-BF0A-4B98-8561-3786244E808C}" type="datetimeFigureOut">
               <a:rPr lang="en-US" smtClean="0"/>
-              <a:t>5/9/2017</a:t>
+              <a:t>5/13/2017</a:t>
             </a:fld>
             <a:endParaRPr lang="en-US"/>
           </a:p>
@@ -845,7 +849,7 @@
           <a:p>
             <a:fld id="{8F235549-BF0A-4B98-8561-3786244E808C}" type="datetimeFigureOut">
               <a:rPr lang="en-US" smtClean="0"/>
-              <a:t>5/9/2017</a:t>
+              <a:t>5/13/2017</a:t>
             </a:fld>
             <a:endParaRPr lang="en-US"/>
           </a:p>
@@ -1093,7 +1097,7 @@
           <a:p>
             <a:fld id="{8F235549-BF0A-4B98-8561-3786244E808C}" type="datetimeFigureOut">
               <a:rPr lang="en-US" smtClean="0"/>
-              <a:t>5/9/2017</a:t>
+              <a:t>5/13/2017</a:t>
             </a:fld>
             <a:endParaRPr lang="en-US"/>
           </a:p>
@@ -1411,7 +1415,7 @@
           <a:p>
             <a:fld id="{8F235549-BF0A-4B98-8561-3786244E808C}" type="datetimeFigureOut">
               <a:rPr lang="en-US" smtClean="0"/>
-              <a:t>5/9/2017</a:t>
+              <a:t>5/13/2017</a:t>
             </a:fld>
             <a:endParaRPr lang="en-US"/>
           </a:p>
@@ -1877,7 +1881,7 @@
           <a:p>
             <a:fld id="{8F235549-BF0A-4B98-8561-3786244E808C}" type="datetimeFigureOut">
               <a:rPr lang="en-US" smtClean="0"/>
-              <a:t>5/9/2017</a:t>
+              <a:t>5/13/2017</a:t>
             </a:fld>
             <a:endParaRPr lang="en-US"/>
           </a:p>
@@ -2025,7 +2029,7 @@
           <a:p>
             <a:fld id="{8F235549-BF0A-4B98-8561-3786244E808C}" type="datetimeFigureOut">
               <a:rPr lang="en-US" smtClean="0"/>
-              <a:t>5/9/2017</a:t>
+              <a:t>5/13/2017</a:t>
             </a:fld>
             <a:endParaRPr lang="en-US"/>
           </a:p>
@@ -2115,7 +2119,7 @@
           <a:p>
             <a:fld id="{8F235549-BF0A-4B98-8561-3786244E808C}" type="datetimeFigureOut">
               <a:rPr lang="en-US" smtClean="0"/>
-              <a:t>5/9/2017</a:t>
+              <a:t>5/13/2017</a:t>
             </a:fld>
             <a:endParaRPr lang="en-US"/>
           </a:p>
@@ -2389,7 +2393,7 @@
           <a:p>
             <a:fld id="{8F235549-BF0A-4B98-8561-3786244E808C}" type="datetimeFigureOut">
               <a:rPr lang="en-US" smtClean="0"/>
-              <a:t>5/9/2017</a:t>
+              <a:t>5/13/2017</a:t>
             </a:fld>
             <a:endParaRPr lang="en-US"/>
           </a:p>
@@ -2694,7 +2698,7 @@
           <a:p>
             <a:fld id="{8F235549-BF0A-4B98-8561-3786244E808C}" type="datetimeFigureOut">
               <a:rPr lang="en-US" smtClean="0"/>
-              <a:t>5/9/2017</a:t>
+              <a:t>5/13/2017</a:t>
             </a:fld>
             <a:endParaRPr lang="en-US"/>
           </a:p>
@@ -2992,7 +2996,7 @@
           <a:p>
             <a:fld id="{8F235549-BF0A-4B98-8561-3786244E808C}" type="datetimeFigureOut">
               <a:rPr lang="en-US" smtClean="0"/>
-              <a:t>5/9/2017</a:t>
+              <a:t>5/13/2017</a:t>
             </a:fld>
             <a:endParaRPr lang="en-US"/>
           </a:p>
@@ -3406,11 +3410,7 @@
           <a:p>
             <a:r>
               <a:rPr lang="en-US" dirty="0" smtClean="0"/>
-              <a:t>SCALA </a:t>
-            </a:r>
-            <a:r>
-              <a:rPr lang="en-US" dirty="0" smtClean="0"/>
-              <a:t>Features</a:t>
+              <a:t>SCALA Features</a:t>
             </a:r>
             <a:br>
               <a:rPr lang="en-US" dirty="0" smtClean="0"/>
@@ -3481,9 +3481,12 @@
           <a:p>
             <a:r>
               <a:rPr lang="en-US" dirty="0" smtClean="0"/>
-              <a:t>Higher Order Functions</a:t>
-            </a:r>
-            <a:endParaRPr lang="en-US" dirty="0"/>
+              <a:t>Vectors</a:t>
+            </a:r>
+            <a:r>
+              <a:rPr lang="en-US" dirty="0"/>
+              <a:t>, Sets – Sequence Collections</a:t>
+            </a:r>
           </a:p>
         </p:txBody>
       </p:sp>
@@ -3504,137 +3507,125 @@
           </a:bodyPr>
           <a:lstStyle/>
           <a:p>
+            <a:pPr marL="0" indent="0">
+              <a:buNone/>
+            </a:pPr>
+            <a:r>
+              <a:rPr lang="en-GB" sz="1800" b="1" dirty="0" smtClean="0"/>
+              <a:t>Vectors:-</a:t>
+            </a:r>
+          </a:p>
+          <a:p>
+            <a:r>
+              <a:rPr lang="en-GB" sz="1600" dirty="0" smtClean="0"/>
+              <a:t>A </a:t>
+            </a:r>
             <a:r>
               <a:rPr lang="en-GB" sz="1600" b="1" dirty="0" smtClean="0"/>
-              <a:t>A function </a:t>
-            </a:r>
-            <a:r>
-              <a:rPr lang="en-GB" sz="1600" dirty="0" smtClean="0"/>
-              <a:t>which takes </a:t>
-            </a:r>
+              <a:t>linked list</a:t>
+            </a:r>
+            <a:r>
+              <a:rPr lang="en-GB" sz="1600" dirty="0" smtClean="0"/>
+              <a:t> of 32 element arrays</a:t>
+            </a:r>
+          </a:p>
+          <a:p>
+            <a:r>
+              <a:rPr lang="en-GB" sz="1600" dirty="0" smtClean="0"/>
+              <a:t>2.15 billion possible elements</a:t>
+            </a:r>
+          </a:p>
+          <a:p>
+            <a:r>
+              <a:rPr lang="en-GB" sz="1600" dirty="0" smtClean="0"/>
+              <a:t>Indexed by hashing</a:t>
+            </a:r>
+          </a:p>
+          <a:p>
+            <a:r>
+              <a:rPr lang="en-GB" sz="1600" dirty="0" smtClean="0"/>
+              <a:t>Good performance</a:t>
+            </a:r>
+          </a:p>
+          <a:p>
+            <a:r>
+              <a:rPr lang="en-GB" sz="1600" b="1" dirty="0" smtClean="0">
+                <a:solidFill>
+                  <a:srgbClr val="00B050"/>
+                </a:solidFill>
+              </a:rPr>
+              <a:t>Constant time performance</a:t>
+            </a:r>
+            <a:r>
+              <a:rPr lang="en-GB" sz="1600" dirty="0" smtClean="0"/>
+              <a:t> for all operations. </a:t>
+            </a:r>
+            <a:r>
+              <a:rPr lang="en-GB" sz="1600" dirty="0"/>
+              <a:t>The operation takes effectively constant time, but this might depend on some assumptions such as maximum length of a vector or distribution of hash keys.</a:t>
+            </a:r>
+            <a:endParaRPr lang="en-GB" sz="1600" dirty="0" smtClean="0"/>
+          </a:p>
+          <a:p>
+            <a:pPr marL="0" indent="0">
+              <a:buNone/>
+            </a:pPr>
+            <a:endParaRPr lang="en-GB" sz="1600" dirty="0"/>
+          </a:p>
+          <a:p>
+            <a:pPr marL="0" indent="0">
+              <a:buNone/>
+            </a:pPr>
             <a:r>
               <a:rPr lang="en-GB" sz="1600" b="1" dirty="0" smtClean="0"/>
-              <a:t>another function</a:t>
-            </a:r>
-          </a:p>
-          <a:p>
-            <a:r>
-              <a:rPr lang="en-GB" sz="1600" dirty="0" smtClean="0"/>
-              <a:t>Typically, describes the “how” for work to be done in a container</a:t>
-            </a:r>
-          </a:p>
-          <a:p>
-            <a:r>
-              <a:rPr lang="en-GB" sz="1600" dirty="0" smtClean="0"/>
-              <a:t>The function passed to it describes the “what” that should be done to elements in the container</a:t>
-            </a:r>
-          </a:p>
-          <a:p>
+              <a:t>Sets:-</a:t>
+            </a:r>
+          </a:p>
+          <a:p>
+            <a:r>
+              <a:rPr lang="en-GB" sz="1600" dirty="0" smtClean="0"/>
+              <a:t>No duplicates permitted</a:t>
+            </a:r>
+          </a:p>
+          <a:p>
+            <a:r>
+              <a:rPr lang="en-GB" sz="1600" dirty="0" smtClean="0"/>
+              <a:t>Order is not guaranteed</a:t>
+            </a:r>
+          </a:p>
+          <a:p>
+            <a:r>
+              <a:rPr lang="en-GB" sz="1600" dirty="0" smtClean="0"/>
+              <a:t>The </a:t>
+            </a:r>
             <a:r>
               <a:rPr lang="en-GB" sz="1600" b="1" dirty="0" smtClean="0"/>
-              <a:t>Example:-</a:t>
-            </a:r>
-          </a:p>
-          <a:p>
-            <a:pPr lvl="1"/>
-            <a:r>
-              <a:rPr lang="en-GB" sz="1600" dirty="0" smtClean="0"/>
-              <a:t>res0.map(number =&gt; number + 1)</a:t>
-            </a:r>
-          </a:p>
-          <a:p>
-            <a:pPr lvl="1"/>
-            <a:r>
-              <a:rPr lang="en-GB" sz="1600" dirty="0" err="1" smtClean="0"/>
-              <a:t>flatMap</a:t>
-            </a:r>
-            <a:endParaRPr lang="en-GB" sz="1600" dirty="0" smtClean="0"/>
-          </a:p>
-          <a:p>
-            <a:pPr lvl="1"/>
-            <a:r>
-              <a:rPr lang="en-GB" sz="1600" dirty="0"/>
-              <a:t>f</a:t>
-            </a:r>
-            <a:r>
-              <a:rPr lang="en-GB" sz="1600" dirty="0" smtClean="0"/>
-              <a:t>ilter</a:t>
-            </a:r>
-          </a:p>
-          <a:p>
-            <a:pPr lvl="1"/>
-            <a:r>
-              <a:rPr lang="en-GB" sz="1600" dirty="0" err="1" smtClean="0"/>
-              <a:t>foreach</a:t>
-            </a:r>
-            <a:endParaRPr lang="en-GB" sz="1600" dirty="0" smtClean="0"/>
-          </a:p>
-          <a:p>
-            <a:pPr lvl="1"/>
-            <a:r>
-              <a:rPr lang="en-GB" sz="1600" dirty="0" smtClean="0"/>
-              <a:t>reduce</a:t>
-            </a:r>
-          </a:p>
-          <a:p>
-            <a:pPr lvl="1"/>
-            <a:r>
-              <a:rPr lang="en-GB" sz="1600" dirty="0"/>
-              <a:t>p</a:t>
-            </a:r>
-            <a:r>
-              <a:rPr lang="en-GB" sz="1600" dirty="0" smtClean="0"/>
-              <a:t>roduct</a:t>
-            </a:r>
-          </a:p>
-          <a:p>
-            <a:pPr lvl="1"/>
-            <a:r>
-              <a:rPr lang="en-GB" sz="1600" dirty="0"/>
-              <a:t>e</a:t>
-            </a:r>
-            <a:r>
-              <a:rPr lang="en-GB" sz="1600" dirty="0" smtClean="0"/>
-              <a:t>xists</a:t>
-            </a:r>
-          </a:p>
-          <a:p>
-            <a:pPr lvl="1"/>
-            <a:r>
-              <a:rPr lang="en-GB" sz="1600" dirty="0" smtClean="0"/>
-              <a:t>find</a:t>
-            </a:r>
-          </a:p>
-          <a:p>
-            <a:pPr lvl="1"/>
-            <a:r>
-              <a:rPr lang="en-GB" sz="1600" dirty="0" err="1" smtClean="0"/>
-              <a:t>groupby</a:t>
-            </a:r>
-            <a:endParaRPr lang="en-GB" sz="1600" dirty="0" smtClean="0"/>
-          </a:p>
-          <a:p>
-            <a:pPr lvl="1"/>
-            <a:r>
-              <a:rPr lang="en-GB" sz="1600" dirty="0" err="1" smtClean="0"/>
-              <a:t>takeWhile</a:t>
-            </a:r>
-            <a:r>
-              <a:rPr lang="en-GB" sz="1600" dirty="0" smtClean="0"/>
-              <a:t> and </a:t>
-            </a:r>
-            <a:r>
-              <a:rPr lang="en-GB" sz="1600" dirty="0" err="1" smtClean="0"/>
-              <a:t>dropWhile</a:t>
-            </a:r>
-            <a:endParaRPr lang="en-GB" sz="1600" dirty="0" smtClean="0"/>
+              <a:t>apply</a:t>
+            </a:r>
+            <a:r>
+              <a:rPr lang="en-GB" sz="1600" dirty="0" smtClean="0"/>
+              <a:t> method on an instance checks to see if the set contains a value</a:t>
+            </a:r>
+            <a:endParaRPr lang="en-GB" sz="1600" dirty="0"/>
+          </a:p>
+          <a:p>
+            <a:pPr marL="0" indent="0">
+              <a:buNone/>
+            </a:pPr>
+            <a:endParaRPr lang="en-GB" sz="1600" b="1" dirty="0"/>
+          </a:p>
+          <a:p>
+            <a:pPr marL="0" indent="0">
+              <a:buNone/>
+            </a:pPr>
+            <a:endParaRPr lang="en-GB" sz="1600" dirty="0"/>
           </a:p>
         </p:txBody>
       </p:sp>
     </p:spTree>
     <p:extLst>
       <p:ext uri="{BB962C8B-B14F-4D97-AF65-F5344CB8AC3E}">
-        <p14:creationId xmlns:p14="http://schemas.microsoft.com/office/powerpoint/2010/main" val="2682563385"/>
+        <p14:creationId xmlns:p14="http://schemas.microsoft.com/office/powerpoint/2010/main" val="1718666759"/>
       </p:ext>
     </p:extLst>
   </p:cSld>
@@ -3685,6 +3676,780 @@
           <a:p>
             <a:r>
               <a:rPr lang="en-US" dirty="0" smtClean="0"/>
+              <a:t>Option</a:t>
+            </a:r>
+            <a:endParaRPr lang="en-US" dirty="0"/>
+          </a:p>
+        </p:txBody>
+      </p:sp>
+      <p:sp>
+        <p:nvSpPr>
+          <p:cNvPr id="3" name="Content Placeholder 2"/>
+          <p:cNvSpPr>
+            <a:spLocks noGrp="1"/>
+          </p:cNvSpPr>
+          <p:nvPr>
+            <p:ph idx="1"/>
+          </p:nvPr>
+        </p:nvSpPr>
+        <p:spPr/>
+        <p:txBody>
+          <a:bodyPr>
+            <a:normAutofit/>
+          </a:bodyPr>
+          <a:lstStyle/>
+          <a:p>
+            <a:pPr marL="0" indent="0">
+              <a:buNone/>
+            </a:pPr>
+            <a:r>
+              <a:rPr lang="en-GB" sz="1800" b="1" dirty="0" smtClean="0"/>
+              <a:t>Algebraic Data Types (ADTs):-</a:t>
+            </a:r>
+          </a:p>
+          <a:p>
+            <a:r>
+              <a:rPr lang="en-GB" sz="1600" dirty="0" smtClean="0"/>
+              <a:t>A distinct set of possible types</a:t>
+            </a:r>
+          </a:p>
+          <a:p>
+            <a:r>
+              <a:rPr lang="en-GB" sz="1600" b="1" dirty="0" smtClean="0"/>
+              <a:t>Example :</a:t>
+            </a:r>
+            <a:r>
+              <a:rPr lang="en-GB" sz="1600" dirty="0" smtClean="0"/>
+              <a:t> </a:t>
+            </a:r>
+            <a:r>
+              <a:rPr lang="en-GB" sz="1600" dirty="0"/>
+              <a:t>D</a:t>
+            </a:r>
+            <a:r>
+              <a:rPr lang="en-GB" sz="1600" dirty="0" smtClean="0"/>
+              <a:t>ays in a week, True/False</a:t>
+            </a:r>
+          </a:p>
+          <a:p>
+            <a:endParaRPr lang="en-GB" sz="1600" dirty="0"/>
+          </a:p>
+          <a:p>
+            <a:pPr marL="0" indent="0">
+              <a:buNone/>
+            </a:pPr>
+            <a:r>
+              <a:rPr lang="en-GB" sz="1600" b="1" dirty="0" smtClean="0"/>
+              <a:t>Option:-</a:t>
+            </a:r>
+          </a:p>
+          <a:p>
+            <a:r>
+              <a:rPr lang="en-GB" sz="1600" dirty="0" smtClean="0"/>
+              <a:t>Not a collection, but a container</a:t>
+            </a:r>
+          </a:p>
+          <a:p>
+            <a:r>
+              <a:rPr lang="en-GB" sz="1600" b="1" dirty="0" smtClean="0"/>
+              <a:t>Some – </a:t>
+            </a:r>
+            <a:r>
+              <a:rPr lang="en-GB" sz="1600" dirty="0" smtClean="0"/>
+              <a:t>Representation of the value</a:t>
+            </a:r>
+          </a:p>
+          <a:p>
+            <a:r>
+              <a:rPr lang="en-GB" sz="1600" b="1" dirty="0" smtClean="0"/>
+              <a:t>None – </a:t>
+            </a:r>
+            <a:r>
+              <a:rPr lang="en-GB" sz="1600" dirty="0" smtClean="0"/>
+              <a:t>Representation of the absence of a value</a:t>
+            </a:r>
+          </a:p>
+          <a:p>
+            <a:r>
+              <a:rPr lang="en-GB" sz="1600" dirty="0" smtClean="0"/>
+              <a:t>Allows us to avoid null on the JVM</a:t>
+            </a:r>
+            <a:endParaRPr lang="en-GB" sz="1600" dirty="0"/>
+          </a:p>
+          <a:p>
+            <a:endParaRPr lang="en-GB" sz="1600" dirty="0" smtClean="0"/>
+          </a:p>
+        </p:txBody>
+      </p:sp>
+    </p:spTree>
+    <p:extLst>
+      <p:ext uri="{BB962C8B-B14F-4D97-AF65-F5344CB8AC3E}">
+        <p14:creationId xmlns:p14="http://schemas.microsoft.com/office/powerpoint/2010/main" val="963193061"/>
+      </p:ext>
+    </p:extLst>
+  </p:cSld>
+  <p:clrMapOvr>
+    <a:masterClrMapping/>
+  </p:clrMapOvr>
+  <p:timing>
+    <p:tnLst>
+      <p:par>
+        <p:cTn id="1" dur="indefinite" restart="never" nodeType="tmRoot"/>
+      </p:par>
+    </p:tnLst>
+  </p:timing>
+</p:sld>
+</file>
+
+<file path=ppt/slides/slide12.xml><?xml version="1.0" encoding="utf-8"?>
+<p:sld xmlns:a="http://schemas.openxmlformats.org/drawingml/2006/main" xmlns:r="http://schemas.openxmlformats.org/officeDocument/2006/relationships" xmlns:p="http://schemas.openxmlformats.org/presentationml/2006/main">
+  <p:cSld>
+    <p:spTree>
+      <p:nvGrpSpPr>
+        <p:cNvPr id="1" name=""/>
+        <p:cNvGrpSpPr/>
+        <p:nvPr/>
+      </p:nvGrpSpPr>
+      <p:grpSpPr>
+        <a:xfrm>
+          <a:off x="0" y="0"/>
+          <a:ext cx="0" cy="0"/>
+          <a:chOff x="0" y="0"/>
+          <a:chExt cx="0" cy="0"/>
+        </a:xfrm>
+      </p:grpSpPr>
+      <p:sp>
+        <p:nvSpPr>
+          <p:cNvPr id="2" name="Title 1"/>
+          <p:cNvSpPr>
+            <a:spLocks noGrp="1"/>
+          </p:cNvSpPr>
+          <p:nvPr>
+            <p:ph type="title"/>
+          </p:nvPr>
+        </p:nvSpPr>
+        <p:spPr/>
+        <p:txBody>
+          <a:bodyPr/>
+          <a:lstStyle/>
+          <a:p>
+            <a:r>
+              <a:rPr lang="en-US" dirty="0" smtClean="0"/>
+              <a:t>Tuples and Maps</a:t>
+            </a:r>
+            <a:endParaRPr lang="en-US" dirty="0"/>
+          </a:p>
+        </p:txBody>
+      </p:sp>
+      <p:sp>
+        <p:nvSpPr>
+          <p:cNvPr id="3" name="Content Placeholder 2"/>
+          <p:cNvSpPr>
+            <a:spLocks noGrp="1"/>
+          </p:cNvSpPr>
+          <p:nvPr>
+            <p:ph idx="1"/>
+          </p:nvPr>
+        </p:nvSpPr>
+        <p:spPr/>
+        <p:txBody>
+          <a:bodyPr>
+            <a:normAutofit/>
+          </a:bodyPr>
+          <a:lstStyle/>
+          <a:p>
+            <a:pPr marL="0" indent="0">
+              <a:buNone/>
+            </a:pPr>
+            <a:r>
+              <a:rPr lang="en-GB" sz="1800" b="1" dirty="0" smtClean="0"/>
+              <a:t>Tuples:-</a:t>
+            </a:r>
+          </a:p>
+          <a:p>
+            <a:r>
+              <a:rPr lang="en-GB" sz="1600" dirty="0" smtClean="0"/>
+              <a:t>A loose aggregation of values into a single container</a:t>
+            </a:r>
+          </a:p>
+          <a:p>
+            <a:r>
+              <a:rPr lang="en-GB" sz="1600" dirty="0" smtClean="0"/>
+              <a:t>Can have up to </a:t>
+            </a:r>
+            <a:r>
+              <a:rPr lang="en-GB" sz="1800" b="1" dirty="0" smtClean="0">
+                <a:solidFill>
+                  <a:srgbClr val="00B050"/>
+                </a:solidFill>
+              </a:rPr>
+              <a:t>22</a:t>
+            </a:r>
+            <a:r>
+              <a:rPr lang="en-GB" sz="1800" b="1" dirty="0" smtClean="0"/>
+              <a:t> </a:t>
+            </a:r>
+            <a:r>
+              <a:rPr lang="en-GB" sz="1800" b="1" dirty="0" smtClean="0">
+                <a:solidFill>
+                  <a:srgbClr val="00B050"/>
+                </a:solidFill>
+              </a:rPr>
+              <a:t>values</a:t>
+            </a:r>
+            <a:r>
+              <a:rPr lang="en-GB" sz="1800" dirty="0" smtClean="0"/>
+              <a:t> </a:t>
+            </a:r>
+            <a:r>
+              <a:rPr lang="en-GB" sz="1600" dirty="0" smtClean="0"/>
+              <a:t>in Scala </a:t>
+            </a:r>
+          </a:p>
+          <a:p>
+            <a:r>
+              <a:rPr lang="en-GB" sz="1600" dirty="0" smtClean="0"/>
+              <a:t>Can be accessed using a 1-based accessor for each value</a:t>
+            </a:r>
+          </a:p>
+          <a:p>
+            <a:pPr marL="0" indent="0">
+              <a:buNone/>
+            </a:pPr>
+            <a:endParaRPr lang="en-GB" sz="1600" dirty="0"/>
+          </a:p>
+          <a:p>
+            <a:pPr marL="0" indent="0">
+              <a:buNone/>
+            </a:pPr>
+            <a:r>
+              <a:rPr lang="en-GB" sz="1600" b="1" dirty="0" smtClean="0"/>
+              <a:t>Example:-</a:t>
+            </a:r>
+          </a:p>
+          <a:p>
+            <a:pPr marL="0" indent="0">
+              <a:buNone/>
+            </a:pPr>
+            <a:r>
+              <a:rPr lang="en-GB" sz="1600" dirty="0" err="1" smtClean="0"/>
+              <a:t>val</a:t>
+            </a:r>
+            <a:r>
+              <a:rPr lang="en-GB" sz="1600" dirty="0" smtClean="0"/>
+              <a:t> tuple = (1, “a”, 2, “b”);</a:t>
+            </a:r>
+          </a:p>
+          <a:p>
+            <a:pPr marL="0" indent="0">
+              <a:buNone/>
+            </a:pPr>
+            <a:r>
+              <a:rPr lang="en-GB" sz="1600" dirty="0" smtClean="0"/>
+              <a:t>tuple._3	</a:t>
+            </a:r>
+            <a:r>
+              <a:rPr lang="en-GB" sz="1600" dirty="0" smtClean="0">
+                <a:sym typeface="Wingdings" panose="05000000000000000000" pitchFamily="2" charset="2"/>
+              </a:rPr>
+              <a:t> will give you </a:t>
+            </a:r>
+            <a:r>
+              <a:rPr lang="en-GB" sz="1600" b="1" dirty="0" err="1" smtClean="0">
+                <a:sym typeface="Wingdings" panose="05000000000000000000" pitchFamily="2" charset="2"/>
+              </a:rPr>
+              <a:t>Int</a:t>
+            </a:r>
+            <a:r>
+              <a:rPr lang="en-GB" sz="1600" b="1" dirty="0" smtClean="0">
+                <a:sym typeface="Wingdings" panose="05000000000000000000" pitchFamily="2" charset="2"/>
+              </a:rPr>
+              <a:t> = 2</a:t>
+            </a:r>
+            <a:endParaRPr lang="en-GB" sz="1600" b="1" dirty="0" smtClean="0"/>
+          </a:p>
+          <a:p>
+            <a:pPr marL="0" indent="0">
+              <a:buNone/>
+            </a:pPr>
+            <a:endParaRPr lang="en-GB" sz="1600" dirty="0"/>
+          </a:p>
+          <a:p>
+            <a:pPr marL="0" indent="0">
+              <a:buNone/>
+            </a:pPr>
+            <a:r>
+              <a:rPr lang="en-GB" sz="1600" b="1" dirty="0" smtClean="0"/>
+              <a:t>Map:-</a:t>
+            </a:r>
+          </a:p>
+          <a:p>
+            <a:r>
+              <a:rPr lang="en-GB" sz="1600" dirty="0" smtClean="0"/>
+              <a:t>A grouping of data by key to value, which are tuple “entries”</a:t>
+            </a:r>
+          </a:p>
+          <a:p>
+            <a:r>
+              <a:rPr lang="en-GB" sz="1600" dirty="0" smtClean="0"/>
+              <a:t>Common implementations – </a:t>
+            </a:r>
+            <a:r>
+              <a:rPr lang="en-GB" sz="1600" dirty="0" err="1" smtClean="0"/>
+              <a:t>HashMap</a:t>
+            </a:r>
+            <a:r>
+              <a:rPr lang="en-GB" sz="1600" dirty="0" smtClean="0"/>
+              <a:t>, </a:t>
+            </a:r>
+            <a:r>
+              <a:rPr lang="en-GB" sz="1600" dirty="0" err="1" smtClean="0"/>
+              <a:t>TreeMap</a:t>
+            </a:r>
+            <a:endParaRPr lang="en-GB" sz="1600" dirty="0" smtClean="0"/>
+          </a:p>
+          <a:p>
+            <a:endParaRPr lang="en-GB" sz="1600" dirty="0" smtClean="0"/>
+          </a:p>
+        </p:txBody>
+      </p:sp>
+    </p:spTree>
+    <p:extLst>
+      <p:ext uri="{BB962C8B-B14F-4D97-AF65-F5344CB8AC3E}">
+        <p14:creationId xmlns:p14="http://schemas.microsoft.com/office/powerpoint/2010/main" val="1500972101"/>
+      </p:ext>
+    </p:extLst>
+  </p:cSld>
+  <p:clrMapOvr>
+    <a:masterClrMapping/>
+  </p:clrMapOvr>
+  <p:timing>
+    <p:tnLst>
+      <p:par>
+        <p:cTn id="1" dur="indefinite" restart="never" nodeType="tmRoot"/>
+      </p:par>
+    </p:tnLst>
+  </p:timing>
+</p:sld>
+</file>
+
+<file path=ppt/slides/slide13.xml><?xml version="1.0" encoding="utf-8"?>
+<p:sld xmlns:a="http://schemas.openxmlformats.org/drawingml/2006/main" xmlns:r="http://schemas.openxmlformats.org/officeDocument/2006/relationships" xmlns:p="http://schemas.openxmlformats.org/presentationml/2006/main">
+  <p:cSld>
+    <p:spTree>
+      <p:nvGrpSpPr>
+        <p:cNvPr id="1" name=""/>
+        <p:cNvGrpSpPr/>
+        <p:nvPr/>
+      </p:nvGrpSpPr>
+      <p:grpSpPr>
+        <a:xfrm>
+          <a:off x="0" y="0"/>
+          <a:ext cx="0" cy="0"/>
+          <a:chOff x="0" y="0"/>
+          <a:chExt cx="0" cy="0"/>
+        </a:xfrm>
+      </p:grpSpPr>
+      <p:sp>
+        <p:nvSpPr>
+          <p:cNvPr id="2" name="Title 1"/>
+          <p:cNvSpPr>
+            <a:spLocks noGrp="1"/>
+          </p:cNvSpPr>
+          <p:nvPr>
+            <p:ph type="title"/>
+          </p:nvPr>
+        </p:nvSpPr>
+        <p:spPr/>
+        <p:txBody>
+          <a:bodyPr/>
+          <a:lstStyle/>
+          <a:p>
+            <a:r>
+              <a:rPr lang="en-US" dirty="0" smtClean="0"/>
+              <a:t>Higher Order Functions</a:t>
+            </a:r>
+            <a:endParaRPr lang="en-US" dirty="0"/>
+          </a:p>
+        </p:txBody>
+      </p:sp>
+      <p:sp>
+        <p:nvSpPr>
+          <p:cNvPr id="3" name="Content Placeholder 2"/>
+          <p:cNvSpPr>
+            <a:spLocks noGrp="1"/>
+          </p:cNvSpPr>
+          <p:nvPr>
+            <p:ph idx="1"/>
+          </p:nvPr>
+        </p:nvSpPr>
+        <p:spPr/>
+        <p:txBody>
+          <a:bodyPr>
+            <a:normAutofit/>
+          </a:bodyPr>
+          <a:lstStyle/>
+          <a:p>
+            <a:r>
+              <a:rPr lang="en-GB" sz="1600" b="1" dirty="0" smtClean="0"/>
+              <a:t>A function </a:t>
+            </a:r>
+            <a:r>
+              <a:rPr lang="en-GB" sz="1600" dirty="0" smtClean="0"/>
+              <a:t>which takes </a:t>
+            </a:r>
+            <a:r>
+              <a:rPr lang="en-GB" sz="1600" b="1" dirty="0" smtClean="0"/>
+              <a:t>another function</a:t>
+            </a:r>
+          </a:p>
+          <a:p>
+            <a:r>
+              <a:rPr lang="en-GB" sz="1600" dirty="0" smtClean="0"/>
+              <a:t>Typically, describes the “how” for work to be done in a container</a:t>
+            </a:r>
+          </a:p>
+          <a:p>
+            <a:r>
+              <a:rPr lang="en-GB" sz="1600" dirty="0" smtClean="0"/>
+              <a:t>The function passed to it describes the “what” that should be done to elements in the container</a:t>
+            </a:r>
+          </a:p>
+          <a:p>
+            <a:r>
+              <a:rPr lang="en-GB" sz="1600" b="1" dirty="0" smtClean="0"/>
+              <a:t>Example:-</a:t>
+            </a:r>
+          </a:p>
+          <a:p>
+            <a:pPr lvl="1"/>
+            <a:r>
+              <a:rPr lang="en-GB" sz="1600" dirty="0" smtClean="0"/>
+              <a:t>res0.map(number =&gt; number + 1)</a:t>
+            </a:r>
+          </a:p>
+          <a:p>
+            <a:pPr lvl="1"/>
+            <a:r>
+              <a:rPr lang="en-GB" sz="1600" dirty="0" err="1" smtClean="0"/>
+              <a:t>flatMap</a:t>
+            </a:r>
+            <a:endParaRPr lang="en-GB" sz="1600" dirty="0" smtClean="0"/>
+          </a:p>
+          <a:p>
+            <a:pPr lvl="1"/>
+            <a:r>
+              <a:rPr lang="en-GB" sz="1600" dirty="0"/>
+              <a:t>f</a:t>
+            </a:r>
+            <a:r>
+              <a:rPr lang="en-GB" sz="1600" dirty="0" smtClean="0"/>
+              <a:t>ilter</a:t>
+            </a:r>
+          </a:p>
+          <a:p>
+            <a:pPr lvl="1"/>
+            <a:r>
+              <a:rPr lang="en-GB" sz="1600" dirty="0" err="1" smtClean="0"/>
+              <a:t>foreach</a:t>
+            </a:r>
+            <a:endParaRPr lang="en-GB" sz="1600" dirty="0" smtClean="0"/>
+          </a:p>
+          <a:p>
+            <a:pPr lvl="1"/>
+            <a:r>
+              <a:rPr lang="en-GB" sz="1600" dirty="0" smtClean="0"/>
+              <a:t>reduce</a:t>
+            </a:r>
+          </a:p>
+          <a:p>
+            <a:pPr lvl="1"/>
+            <a:r>
+              <a:rPr lang="en-GB" sz="1600" dirty="0"/>
+              <a:t>p</a:t>
+            </a:r>
+            <a:r>
+              <a:rPr lang="en-GB" sz="1600" dirty="0" smtClean="0"/>
+              <a:t>roduct</a:t>
+            </a:r>
+          </a:p>
+          <a:p>
+            <a:pPr lvl="1"/>
+            <a:r>
+              <a:rPr lang="en-GB" sz="1600" dirty="0"/>
+              <a:t>e</a:t>
+            </a:r>
+            <a:r>
+              <a:rPr lang="en-GB" sz="1600" dirty="0" smtClean="0"/>
+              <a:t>xists</a:t>
+            </a:r>
+          </a:p>
+          <a:p>
+            <a:pPr lvl="1"/>
+            <a:r>
+              <a:rPr lang="en-GB" sz="1600" dirty="0" smtClean="0"/>
+              <a:t>find</a:t>
+            </a:r>
+          </a:p>
+          <a:p>
+            <a:pPr lvl="1"/>
+            <a:r>
+              <a:rPr lang="en-GB" sz="1600" dirty="0" err="1" smtClean="0"/>
+              <a:t>groupby</a:t>
+            </a:r>
+            <a:endParaRPr lang="en-GB" sz="1600" dirty="0" smtClean="0"/>
+          </a:p>
+          <a:p>
+            <a:pPr lvl="1"/>
+            <a:r>
+              <a:rPr lang="en-GB" sz="1600" dirty="0" err="1" smtClean="0"/>
+              <a:t>takeWhile</a:t>
+            </a:r>
+            <a:r>
+              <a:rPr lang="en-GB" sz="1600" dirty="0" smtClean="0"/>
+              <a:t> and </a:t>
+            </a:r>
+            <a:r>
+              <a:rPr lang="en-GB" sz="1600" dirty="0" err="1" smtClean="0"/>
+              <a:t>dropWhile</a:t>
+            </a:r>
+            <a:endParaRPr lang="en-GB" sz="1600" dirty="0" smtClean="0"/>
+          </a:p>
+        </p:txBody>
+      </p:sp>
+    </p:spTree>
+    <p:extLst>
+      <p:ext uri="{BB962C8B-B14F-4D97-AF65-F5344CB8AC3E}">
+        <p14:creationId xmlns:p14="http://schemas.microsoft.com/office/powerpoint/2010/main" val="2682563385"/>
+      </p:ext>
+    </p:extLst>
+  </p:cSld>
+  <p:clrMapOvr>
+    <a:masterClrMapping/>
+  </p:clrMapOvr>
+  <p:timing>
+    <p:tnLst>
+      <p:par>
+        <p:cTn id="1" dur="indefinite" restart="never" nodeType="tmRoot"/>
+      </p:par>
+    </p:tnLst>
+  </p:timing>
+</p:sld>
+</file>
+
+<file path=ppt/slides/slide14.xml><?xml version="1.0" encoding="utf-8"?>
+<p:sld xmlns:a="http://schemas.openxmlformats.org/drawingml/2006/main" xmlns:r="http://schemas.openxmlformats.org/officeDocument/2006/relationships" xmlns:p="http://schemas.openxmlformats.org/presentationml/2006/main">
+  <p:cSld>
+    <p:spTree>
+      <p:nvGrpSpPr>
+        <p:cNvPr id="1" name=""/>
+        <p:cNvGrpSpPr/>
+        <p:nvPr/>
+      </p:nvGrpSpPr>
+      <p:grpSpPr>
+        <a:xfrm>
+          <a:off x="0" y="0"/>
+          <a:ext cx="0" cy="0"/>
+          <a:chOff x="0" y="0"/>
+          <a:chExt cx="0" cy="0"/>
+        </a:xfrm>
+      </p:grpSpPr>
+      <p:sp>
+        <p:nvSpPr>
+          <p:cNvPr id="2" name="Title 1"/>
+          <p:cNvSpPr>
+            <a:spLocks noGrp="1"/>
+          </p:cNvSpPr>
+          <p:nvPr>
+            <p:ph type="title"/>
+          </p:nvPr>
+        </p:nvSpPr>
+        <p:spPr/>
+        <p:txBody>
+          <a:bodyPr/>
+          <a:lstStyle/>
+          <a:p>
+            <a:r>
+              <a:rPr lang="en-US" dirty="0" smtClean="0"/>
+              <a:t>Infix Notations</a:t>
+            </a:r>
+            <a:endParaRPr lang="en-US" dirty="0"/>
+          </a:p>
+        </p:txBody>
+      </p:sp>
+      <p:sp>
+        <p:nvSpPr>
+          <p:cNvPr id="3" name="Content Placeholder 2"/>
+          <p:cNvSpPr>
+            <a:spLocks noGrp="1"/>
+          </p:cNvSpPr>
+          <p:nvPr>
+            <p:ph idx="1"/>
+          </p:nvPr>
+        </p:nvSpPr>
+        <p:spPr/>
+        <p:txBody>
+          <a:bodyPr>
+            <a:normAutofit/>
+          </a:bodyPr>
+          <a:lstStyle/>
+          <a:p>
+            <a:r>
+              <a:rPr lang="en-GB" sz="1600" dirty="0" smtClean="0"/>
+              <a:t>The method can be called without using the Dot operator</a:t>
+            </a:r>
+          </a:p>
+          <a:p>
+            <a:r>
+              <a:rPr lang="en-GB" sz="1600" dirty="0"/>
+              <a:t>Scala has a special </a:t>
+            </a:r>
+            <a:r>
+              <a:rPr lang="en-GB" sz="1600" b="1" dirty="0"/>
+              <a:t>punctuation-free</a:t>
+            </a:r>
+            <a:r>
+              <a:rPr lang="en-GB" sz="1600" dirty="0"/>
+              <a:t> syntax for invoking methods that take </a:t>
+            </a:r>
+            <a:r>
+              <a:rPr lang="en-GB" sz="1600" b="1" dirty="0"/>
+              <a:t>one argument</a:t>
+            </a:r>
+            <a:r>
+              <a:rPr lang="en-GB" sz="1600" dirty="0"/>
+              <a:t>. Many Scala programmers use this notation for symbolic-named methods</a:t>
+            </a:r>
+            <a:r>
+              <a:rPr lang="en-GB" sz="1600" dirty="0" smtClean="0"/>
+              <a:t>:</a:t>
+            </a:r>
+          </a:p>
+          <a:p>
+            <a:r>
+              <a:rPr lang="en-GB" sz="1600" dirty="0" smtClean="0"/>
+              <a:t>Example:-</a:t>
+            </a:r>
+          </a:p>
+          <a:p>
+            <a:endParaRPr lang="en-GB" sz="1600" dirty="0"/>
+          </a:p>
+          <a:p>
+            <a:endParaRPr lang="en-GB" sz="1600" dirty="0" smtClean="0"/>
+          </a:p>
+          <a:p>
+            <a:endParaRPr lang="en-GB" sz="1600" dirty="0" smtClean="0"/>
+          </a:p>
+        </p:txBody>
+      </p:sp>
+      <p:pic>
+        <p:nvPicPr>
+          <p:cNvPr id="1026" name="Picture 2"/>
+          <p:cNvPicPr>
+            <a:picLocks noChangeAspect="1" noChangeArrowheads="1"/>
+          </p:cNvPicPr>
+          <p:nvPr/>
+        </p:nvPicPr>
+        <p:blipFill>
+          <a:blip r:embed="rId2">
+            <a:extLst>
+              <a:ext uri="{28A0092B-C50C-407E-A947-70E740481C1C}">
+                <a14:useLocalDpi xmlns:a14="http://schemas.microsoft.com/office/drawing/2010/main" val="0"/>
+              </a:ext>
+            </a:extLst>
+          </a:blip>
+          <a:srcRect/>
+          <a:stretch>
+            <a:fillRect/>
+          </a:stretch>
+        </p:blipFill>
+        <p:spPr bwMode="auto">
+          <a:xfrm>
+            <a:off x="827584" y="3068960"/>
+            <a:ext cx="3067050" cy="1714500"/>
+          </a:xfrm>
+          <a:prstGeom prst="rect">
+            <a:avLst/>
+          </a:prstGeom>
+          <a:noFill/>
+          <a:ln>
+            <a:noFill/>
+          </a:ln>
+          <a:extLst>
+            <a:ext uri="{909E8E84-426E-40DD-AFC4-6F175D3DCCD1}">
+              <a14:hiddenFill xmlns:a14="http://schemas.microsoft.com/office/drawing/2010/main">
+                <a:solidFill>
+                  <a:schemeClr val="accent1"/>
+                </a:solidFill>
+              </a14:hiddenFill>
+            </a:ext>
+            <a:ext uri="{91240B29-F687-4F45-9708-019B960494DF}">
+              <a14:hiddenLine xmlns:a14="http://schemas.microsoft.com/office/drawing/2010/main" w="9525">
+                <a:solidFill>
+                  <a:schemeClr val="tx1"/>
+                </a:solidFill>
+                <a:miter lim="800000"/>
+                <a:headEnd/>
+                <a:tailEnd/>
+              </a14:hiddenLine>
+            </a:ext>
+          </a:extLst>
+        </p:spPr>
+      </p:pic>
+    </p:spTree>
+    <p:extLst>
+      <p:ext uri="{BB962C8B-B14F-4D97-AF65-F5344CB8AC3E}">
+        <p14:creationId xmlns:p14="http://schemas.microsoft.com/office/powerpoint/2010/main" val="847992720"/>
+      </p:ext>
+    </p:extLst>
+  </p:cSld>
+  <p:clrMapOvr>
+    <a:masterClrMapping/>
+  </p:clrMapOvr>
+  <p:timing>
+    <p:tnLst>
+      <p:par>
+        <p:cTn id="1" dur="indefinite" restart="never" nodeType="tmRoot"/>
+      </p:par>
+    </p:tnLst>
+  </p:timing>
+</p:sld>
+</file>
+
+<file path=ppt/slides/slide15.xml><?xml version="1.0" encoding="utf-8"?>
+<p:sld xmlns:a="http://schemas.openxmlformats.org/drawingml/2006/main" xmlns:r="http://schemas.openxmlformats.org/officeDocument/2006/relationships" xmlns:p="http://schemas.openxmlformats.org/presentationml/2006/main">
+  <p:cSld>
+    <p:spTree>
+      <p:nvGrpSpPr>
+        <p:cNvPr id="1" name=""/>
+        <p:cNvGrpSpPr/>
+        <p:nvPr/>
+      </p:nvGrpSpPr>
+      <p:grpSpPr>
+        <a:xfrm>
+          <a:off x="0" y="0"/>
+          <a:ext cx="0" cy="0"/>
+          <a:chOff x="0" y="0"/>
+          <a:chExt cx="0" cy="0"/>
+        </a:xfrm>
+      </p:grpSpPr>
+      <p:sp>
+        <p:nvSpPr>
+          <p:cNvPr id="2" name="Title 1"/>
+          <p:cNvSpPr>
+            <a:spLocks noGrp="1"/>
+          </p:cNvSpPr>
+          <p:nvPr>
+            <p:ph type="title"/>
+          </p:nvPr>
+        </p:nvSpPr>
+        <p:spPr/>
+        <p:txBody>
+          <a:bodyPr/>
+          <a:lstStyle/>
+          <a:p>
+            <a:r>
+              <a:rPr lang="en-US" dirty="0" smtClean="0"/>
               <a:t>References</a:t>
             </a:r>
             <a:endParaRPr lang="en-US" dirty="0"/>
@@ -3719,6 +4484,28 @@
                 <a:hlinkClick r:id="rId2"/>
               </a:rPr>
               <a:t>/</a:t>
+            </a:r>
+            <a:endParaRPr lang="en-US" sz="1600" dirty="0" smtClean="0"/>
+          </a:p>
+          <a:p>
+            <a:r>
+              <a:rPr lang="en-US" sz="1600" dirty="0">
+                <a:hlinkClick r:id="rId3"/>
+              </a:rPr>
+              <a:t>http://</a:t>
+            </a:r>
+            <a:r>
+              <a:rPr lang="en-US" sz="1600" dirty="0" smtClean="0">
+                <a:hlinkClick r:id="rId3"/>
+              </a:rPr>
+              <a:t>alvinalexander.com/scala/how-to-create-scala-object-instances-without-new-apply-case-class</a:t>
+            </a:r>
+            <a:endParaRPr lang="en-US" sz="1600" dirty="0" smtClean="0"/>
+          </a:p>
+          <a:p>
+            <a:r>
+              <a:rPr lang="en-US" sz="1600"/>
+              <a:t>http://joelabrahamsson.com/learning-scala-part-four-classes-and-constructors/</a:t>
             </a:r>
             <a:endParaRPr lang="en-US" sz="1600" dirty="0" smtClean="0"/>
           </a:p>
@@ -3781,7 +4568,7 @@
           <a:p>
             <a:r>
               <a:rPr lang="en-US" dirty="0" smtClean="0"/>
-              <a:t>Scala – Companion Objects</a:t>
+              <a:t>Scala – Class</a:t>
             </a:r>
             <a:endParaRPr lang="en-US" dirty="0"/>
           </a:p>
@@ -3806,166 +4593,161 @@
           <a:p>
             <a:r>
               <a:rPr lang="en-GB" sz="1600" dirty="0" smtClean="0"/>
-              <a:t>If a Singleton object and a class share the </a:t>
+              <a:t>The Scala object can be created </a:t>
+            </a:r>
+            <a:r>
+              <a:rPr lang="en-GB" sz="1600" b="1" dirty="0" smtClean="0">
+                <a:solidFill>
+                  <a:srgbClr val="00B050"/>
+                </a:solidFill>
+              </a:rPr>
+              <a:t>without using the new operator</a:t>
+            </a:r>
+            <a:r>
+              <a:rPr lang="en-GB" sz="1600" dirty="0" smtClean="0"/>
+              <a:t> as well</a:t>
+            </a:r>
+          </a:p>
+          <a:p>
+            <a:r>
+              <a:rPr lang="en-GB" sz="1600" dirty="0"/>
+              <a:t>There are two ways to do this</a:t>
+            </a:r>
+            <a:r>
+              <a:rPr lang="en-GB" sz="1600" dirty="0" smtClean="0"/>
+              <a:t>:-</a:t>
+            </a:r>
+          </a:p>
+          <a:p>
+            <a:pPr marL="0" indent="0">
+              <a:buNone/>
+            </a:pPr>
+            <a:endParaRPr lang="en-GB" sz="1600" dirty="0" smtClean="0"/>
+          </a:p>
+          <a:p>
+            <a:pPr marL="342900" indent="-342900">
+              <a:buFont typeface="+mj-lt"/>
+              <a:buAutoNum type="arabicPeriod"/>
+            </a:pPr>
+            <a:r>
+              <a:rPr lang="en-GB" sz="1600" dirty="0"/>
+              <a:t>Create a</a:t>
+            </a:r>
+            <a:r>
+              <a:rPr lang="en-GB" sz="1600" b="1" dirty="0"/>
+              <a:t> companion object</a:t>
+            </a:r>
+            <a:r>
+              <a:rPr lang="en-GB" sz="1600" dirty="0"/>
+              <a:t> for your class, and define an apply method in the companion object with the desired constructor signature.</a:t>
+            </a:r>
+          </a:p>
+          <a:p>
+            <a:pPr marL="342900" indent="-342900">
+              <a:buFont typeface="+mj-lt"/>
+              <a:buAutoNum type="arabicPeriod"/>
+            </a:pPr>
+            <a:r>
+              <a:rPr lang="en-GB" sz="1600" dirty="0"/>
+              <a:t>Define your class as a </a:t>
+            </a:r>
+            <a:r>
+              <a:rPr lang="en-GB" sz="1600" b="1" dirty="0"/>
+              <a:t>“case class</a:t>
             </a:r>
             <a:r>
               <a:rPr lang="en-GB" sz="1600" b="1" dirty="0" smtClean="0"/>
-              <a:t>same name </a:t>
-            </a:r>
-            <a:r>
-              <a:rPr lang="en-GB" sz="1600" dirty="0" smtClean="0"/>
-              <a:t>and are located in the </a:t>
+              <a:t>.”</a:t>
+            </a:r>
+          </a:p>
+          <a:p>
+            <a:pPr marL="0" indent="0">
+              <a:buNone/>
+            </a:pPr>
+            <a:endParaRPr lang="en-GB" sz="1600" b="1" dirty="0"/>
+          </a:p>
+          <a:p>
+            <a:pPr marL="0" indent="0">
+              <a:buNone/>
+            </a:pPr>
+            <a:r>
+              <a:rPr lang="en-GB" sz="1600" b="1" dirty="0"/>
+              <a:t>Creating a companion object with an </a:t>
             </a:r>
             <a:r>
               <a:rPr lang="en-GB" sz="1600" b="1" dirty="0" smtClean="0"/>
-              <a:t>same source file</a:t>
-            </a:r>
-            <a:r>
-              <a:rPr lang="en-GB" sz="1600" dirty="0" smtClean="0"/>
-              <a:t>, they are called companions</a:t>
-            </a:r>
-          </a:p>
-          <a:p>
-            <a:r>
-              <a:rPr lang="en-GB" sz="1600" dirty="0" smtClean="0"/>
-              <a:t>A companion class can access private fields and methods inside of its companion object</a:t>
+              <a:t>“apply” </a:t>
+            </a:r>
+            <a:r>
+              <a:rPr lang="en-GB" sz="1600" b="1" dirty="0"/>
+              <a:t>method</a:t>
             </a:r>
           </a:p>
           <a:p>
             <a:pPr marL="0" indent="0">
               <a:buNone/>
             </a:pPr>
-            <a:endParaRPr lang="en-GB" sz="1600" dirty="0"/>
-          </a:p>
-          <a:p>
-            <a:pPr marL="0" indent="0">
-              <a:buNone/>
-            </a:pPr>
-            <a:r>
-              <a:rPr lang="en-GB" sz="1600" b="1" dirty="0" smtClean="0"/>
-              <a:t>Example:-</a:t>
-            </a:r>
-          </a:p>
-          <a:p>
-            <a:pPr marL="0" indent="0">
-              <a:buNone/>
-            </a:pPr>
-            <a:endParaRPr lang="en-GB" sz="1600" dirty="0"/>
-          </a:p>
-          <a:p>
-            <a:pPr marL="0" indent="0">
-              <a:buNone/>
-            </a:pPr>
-            <a:r>
-              <a:rPr lang="en-GB" sz="1600" dirty="0" smtClean="0"/>
-              <a:t>object </a:t>
-            </a:r>
-            <a:r>
-              <a:rPr lang="en-GB" sz="1600" b="1" dirty="0" smtClean="0"/>
-              <a:t>Hello</a:t>
-            </a:r>
-            <a:r>
-              <a:rPr lang="en-GB" sz="1600" dirty="0" smtClean="0"/>
-              <a:t> {</a:t>
-            </a:r>
-          </a:p>
-          <a:p>
-            <a:pPr marL="0" indent="0">
-              <a:buNone/>
-            </a:pPr>
-            <a:r>
-              <a:rPr lang="en-GB" sz="1600" dirty="0"/>
-              <a:t>	</a:t>
-            </a:r>
-            <a:r>
-              <a:rPr lang="en-GB" sz="1600" dirty="0" smtClean="0"/>
-              <a:t>private </a:t>
-            </a:r>
-            <a:r>
-              <a:rPr lang="en-GB" sz="1600" dirty="0" err="1" smtClean="0"/>
-              <a:t>val</a:t>
-            </a:r>
-            <a:r>
-              <a:rPr lang="en-GB" sz="1600" dirty="0" smtClean="0"/>
-              <a:t> </a:t>
-            </a:r>
-            <a:r>
-              <a:rPr lang="en-GB" sz="1600" dirty="0" err="1" smtClean="0"/>
-              <a:t>defaultMessage</a:t>
-            </a:r>
-            <a:r>
-              <a:rPr lang="en-GB" sz="1600" dirty="0" smtClean="0"/>
-              <a:t> = “Hello!”</a:t>
-            </a:r>
-          </a:p>
-          <a:p>
-            <a:pPr marL="0" indent="0">
-              <a:buNone/>
-            </a:pPr>
-            <a:r>
-              <a:rPr lang="en-GB" sz="1600" dirty="0" smtClean="0"/>
-              <a:t>}</a:t>
-            </a:r>
-          </a:p>
-          <a:p>
-            <a:pPr marL="0" indent="0">
-              <a:buNone/>
-            </a:pPr>
-            <a:endParaRPr lang="en-GB" sz="1400" dirty="0" smtClean="0"/>
-          </a:p>
-          <a:p>
-            <a:pPr marL="0" indent="0">
-              <a:buNone/>
-            </a:pPr>
-            <a:r>
-              <a:rPr lang="en-GB" sz="1400" dirty="0" smtClean="0"/>
-              <a:t>class </a:t>
-            </a:r>
-            <a:r>
-              <a:rPr lang="en-GB" sz="1400" b="1" dirty="0" smtClean="0"/>
-              <a:t>Hello</a:t>
-            </a:r>
-            <a:r>
-              <a:rPr lang="en-GB" sz="1400" dirty="0" smtClean="0"/>
-              <a:t> (message : String = </a:t>
-            </a:r>
-            <a:r>
-              <a:rPr lang="en-GB" sz="1400" dirty="0" err="1" smtClean="0"/>
-              <a:t>Hello.defaultMessage</a:t>
-            </a:r>
-            <a:r>
-              <a:rPr lang="en-GB" sz="1400" dirty="0" smtClean="0"/>
-              <a:t>) {</a:t>
-            </a:r>
-          </a:p>
-          <a:p>
-            <a:pPr marL="0" indent="0">
-              <a:buNone/>
-            </a:pPr>
-            <a:r>
-              <a:rPr lang="en-GB" sz="1400" dirty="0"/>
-              <a:t>	</a:t>
-            </a:r>
-            <a:r>
-              <a:rPr lang="en-GB" sz="1400" dirty="0" err="1" smtClean="0"/>
-              <a:t>println</a:t>
-            </a:r>
-            <a:r>
-              <a:rPr lang="en-GB" sz="1400" dirty="0" smtClean="0"/>
-              <a:t> (message)</a:t>
-            </a:r>
-          </a:p>
-          <a:p>
-            <a:pPr marL="0" indent="0">
-              <a:buNone/>
-            </a:pPr>
-            <a:r>
-              <a:rPr lang="en-GB" sz="1400" dirty="0"/>
-              <a:t>}</a:t>
-            </a:r>
-          </a:p>
-        </p:txBody>
-      </p:sp>
+            <a:endParaRPr lang="en-GB" sz="1600" b="1" dirty="0"/>
+          </a:p>
+          <a:p>
+            <a:endParaRPr lang="en-GB" sz="1400" dirty="0"/>
+          </a:p>
+        </p:txBody>
+      </p:sp>
+      <p:pic>
+        <p:nvPicPr>
+          <p:cNvPr id="2050" name="Picture 2"/>
+          <p:cNvPicPr>
+            <a:picLocks noChangeAspect="1" noChangeArrowheads="1"/>
+          </p:cNvPicPr>
+          <p:nvPr/>
+        </p:nvPicPr>
+        <p:blipFill>
+          <a:blip r:embed="rId2">
+            <a:extLst>
+              <a:ext uri="{28A0092B-C50C-407E-A947-70E740481C1C}">
+                <a14:useLocalDpi xmlns:a14="http://schemas.microsoft.com/office/drawing/2010/main" val="0"/>
+              </a:ext>
+            </a:extLst>
+          </a:blip>
+          <a:srcRect/>
+          <a:stretch>
+            <a:fillRect/>
+          </a:stretch>
+        </p:blipFill>
+        <p:spPr bwMode="auto">
+          <a:xfrm>
+            <a:off x="827584" y="4077072"/>
+            <a:ext cx="3543300" cy="2447925"/>
+          </a:xfrm>
+          <a:prstGeom prst="rect">
+            <a:avLst/>
+          </a:prstGeom>
+          <a:noFill/>
+          <a:ln>
+            <a:noFill/>
+          </a:ln>
+          <a:extLst>
+            <a:ext uri="{909E8E84-426E-40DD-AFC4-6F175D3DCCD1}">
+              <a14:hiddenFill xmlns:a14="http://schemas.microsoft.com/office/drawing/2010/main">
+                <a:solidFill>
+                  <a:schemeClr val="accent1"/>
+                </a:solidFill>
+              </a14:hiddenFill>
+            </a:ext>
+            <a:ext uri="{91240B29-F687-4F45-9708-019B960494DF}">
+              <a14:hiddenLine xmlns:a14="http://schemas.microsoft.com/office/drawing/2010/main" w="9525">
+                <a:solidFill>
+                  <a:schemeClr val="tx1"/>
+                </a:solidFill>
+                <a:miter lim="800000"/>
+                <a:headEnd/>
+                <a:tailEnd/>
+              </a14:hiddenLine>
+            </a:ext>
+          </a:extLst>
+        </p:spPr>
+      </p:pic>
     </p:spTree>
     <p:extLst>
       <p:ext uri="{BB962C8B-B14F-4D97-AF65-F5344CB8AC3E}">
@@ -4020,7 +4802,7 @@
           <a:p>
             <a:r>
               <a:rPr lang="en-US" dirty="0" smtClean="0"/>
-              <a:t>Scala – Case Classes &amp; Objects</a:t>
+              <a:t>Scala – Class (Continues …)</a:t>
             </a:r>
             <a:endParaRPr lang="en-US" dirty="0"/>
           </a:p>
@@ -4044,113 +4826,123 @@
           <a:lstStyle/>
           <a:p>
             <a:r>
-              <a:rPr lang="en-GB" sz="1600" b="1" dirty="0" smtClean="0"/>
-              <a:t>Case Class:-</a:t>
-            </a:r>
-          </a:p>
-          <a:p>
-            <a:pPr lvl="1"/>
-            <a:r>
-              <a:rPr lang="en-GB" sz="1400" dirty="0" smtClean="0"/>
-              <a:t>Generates JVM-specific convenience methods</a:t>
-            </a:r>
-          </a:p>
-          <a:p>
-            <a:pPr lvl="1"/>
-            <a:r>
-              <a:rPr lang="en-GB" sz="1400" dirty="0" smtClean="0"/>
-              <a:t>Makes every class parameter a </a:t>
-            </a:r>
-            <a:r>
-              <a:rPr lang="en-GB" sz="1400" b="1" dirty="0" smtClean="0"/>
-              <a:t>field </a:t>
-            </a:r>
-            <a:r>
-              <a:rPr lang="en-GB" sz="1400" dirty="0" smtClean="0"/>
-              <a:t>(field means – it is basically an instance field)</a:t>
-            </a:r>
-          </a:p>
-          <a:p>
-            <a:pPr lvl="1"/>
-            <a:r>
-              <a:rPr lang="en-GB" sz="1400" b="1" dirty="0" smtClean="0"/>
-              <a:t>Immutable</a:t>
-            </a:r>
-            <a:r>
-              <a:rPr lang="en-GB" sz="1400" dirty="0" smtClean="0"/>
-              <a:t> by default</a:t>
-            </a:r>
-          </a:p>
-          <a:p>
-            <a:pPr lvl="1"/>
-            <a:r>
-              <a:rPr lang="en-GB" sz="1400" dirty="0" smtClean="0"/>
-              <a:t>Performs value-based equivalent by default (rather than checking the object instances to determine whether they are equal)</a:t>
-            </a:r>
-          </a:p>
-          <a:p>
-            <a:pPr lvl="1"/>
-            <a:endParaRPr lang="en-GB" sz="1000" b="1" dirty="0" smtClean="0"/>
-          </a:p>
-          <a:p>
-            <a:r>
-              <a:rPr lang="en-GB" sz="1600" b="1" dirty="0"/>
-              <a:t>Case </a:t>
-            </a:r>
-            <a:r>
-              <a:rPr lang="en-GB" sz="1600" b="1" dirty="0" smtClean="0"/>
-              <a:t>Object:-</a:t>
-            </a:r>
-          </a:p>
-          <a:p>
-            <a:pPr lvl="1"/>
-            <a:r>
-              <a:rPr lang="en-GB" sz="1400" dirty="0" smtClean="0"/>
-              <a:t>If a case class is an instance-based representation of a data type, a case object is a representation of a data type of which there can only be a </a:t>
-            </a:r>
-            <a:r>
-              <a:rPr lang="en-GB" sz="1400" b="1" dirty="0" smtClean="0"/>
-              <a:t>single instance</a:t>
-            </a:r>
-          </a:p>
-          <a:p>
-            <a:pPr lvl="1"/>
-            <a:r>
-              <a:rPr lang="en-GB" sz="1400" dirty="0" smtClean="0"/>
-              <a:t>If you try to create a case class with </a:t>
-            </a:r>
-            <a:r>
-              <a:rPr lang="en-GB" sz="1400" b="1" dirty="0" smtClean="0">
+              <a:rPr lang="en-GB" sz="1600" dirty="0" smtClean="0"/>
+              <a:t>Parameters can be passed to the Scala class </a:t>
+            </a:r>
+          </a:p>
+          <a:p>
+            <a:r>
+              <a:rPr lang="en-GB" sz="1600" dirty="0" smtClean="0"/>
+              <a:t>Any statements that needs to be executed while creating the object can be coded inside the class body</a:t>
+            </a:r>
+          </a:p>
+          <a:p>
+            <a:endParaRPr lang="en-GB" sz="1600" dirty="0"/>
+          </a:p>
+          <a:p>
+            <a:endParaRPr lang="en-GB" sz="1600" dirty="0" smtClean="0"/>
+          </a:p>
+          <a:p>
+            <a:endParaRPr lang="en-GB" sz="1600" dirty="0"/>
+          </a:p>
+          <a:p>
+            <a:endParaRPr lang="en-GB" sz="1600" dirty="0" smtClean="0"/>
+          </a:p>
+          <a:p>
+            <a:endParaRPr lang="en-GB" sz="1600" dirty="0"/>
+          </a:p>
+          <a:p>
+            <a:endParaRPr lang="en-GB" sz="1600" dirty="0" smtClean="0"/>
+          </a:p>
+          <a:p>
+            <a:endParaRPr lang="en-GB" sz="1600" dirty="0"/>
+          </a:p>
+          <a:p>
+            <a:endParaRPr lang="en-GB" sz="1600" dirty="0" smtClean="0"/>
+          </a:p>
+          <a:p>
+            <a:r>
+              <a:rPr lang="en-GB" sz="1600" b="1" dirty="0" smtClean="0">
                 <a:solidFill>
-                  <a:srgbClr val="FF0000"/>
+                  <a:srgbClr val="00B050"/>
                 </a:solidFill>
               </a:rPr>
-              <a:t>no</a:t>
-            </a:r>
-            <a:r>
-              <a:rPr lang="en-GB" sz="1400" dirty="0" smtClean="0"/>
-              <a:t> parameters, it is </a:t>
-            </a:r>
-            <a:r>
-              <a:rPr lang="en-GB" sz="1400" b="1" dirty="0" smtClean="0"/>
-              <a:t>stateless </a:t>
-            </a:r>
-            <a:r>
-              <a:rPr lang="en-GB" sz="1400" dirty="0" smtClean="0"/>
-              <a:t>and should be a case object</a:t>
-            </a:r>
-            <a:endParaRPr lang="en-GB" sz="1400" b="1" dirty="0"/>
-          </a:p>
-          <a:p>
-            <a:pPr lvl="1"/>
-            <a:endParaRPr lang="en-GB" sz="1000" b="1" dirty="0"/>
-          </a:p>
-        </p:txBody>
-      </p:sp>
+              <a:t>Unit</a:t>
+            </a:r>
+            <a:r>
+              <a:rPr lang="en-GB" sz="1600" dirty="0" smtClean="0"/>
+              <a:t> is the equivalent of </a:t>
+            </a:r>
+            <a:r>
+              <a:rPr lang="en-GB" sz="1600" b="1" dirty="0" smtClean="0"/>
+              <a:t>void</a:t>
+            </a:r>
+            <a:r>
+              <a:rPr lang="en-GB" sz="1600" dirty="0" smtClean="0"/>
+              <a:t> in Java</a:t>
+            </a:r>
+            <a:endParaRPr lang="en-GB" sz="1600" dirty="0"/>
+          </a:p>
+        </p:txBody>
+      </p:sp>
+      <p:pic>
+        <p:nvPicPr>
+          <p:cNvPr id="1026" name="Picture 2"/>
+          <p:cNvPicPr>
+            <a:picLocks noChangeAspect="1" noChangeArrowheads="1"/>
+          </p:cNvPicPr>
+          <p:nvPr/>
+        </p:nvPicPr>
+        <p:blipFill>
+          <a:blip r:embed="rId2">
+            <a:extLst>
+              <a:ext uri="{28A0092B-C50C-407E-A947-70E740481C1C}">
+                <a14:useLocalDpi xmlns:a14="http://schemas.microsoft.com/office/drawing/2010/main" val="0"/>
+              </a:ext>
+            </a:extLst>
+          </a:blip>
+          <a:srcRect/>
+          <a:stretch>
+            <a:fillRect/>
+          </a:stretch>
+        </p:blipFill>
+        <p:spPr bwMode="auto">
+          <a:xfrm>
+            <a:off x="827584" y="2708920"/>
+            <a:ext cx="4286250" cy="1895475"/>
+          </a:xfrm>
+          <a:prstGeom prst="rect">
+            <a:avLst/>
+          </a:prstGeom>
+          <a:noFill/>
+          <a:ln>
+            <a:noFill/>
+          </a:ln>
+          <a:extLst>
+            <a:ext uri="{909E8E84-426E-40DD-AFC4-6F175D3DCCD1}">
+              <a14:hiddenFill xmlns:a14="http://schemas.microsoft.com/office/drawing/2010/main">
+                <a:solidFill>
+                  <a:schemeClr val="accent1"/>
+                </a:solidFill>
+              </a14:hiddenFill>
+            </a:ext>
+            <a:ext uri="{91240B29-F687-4F45-9708-019B960494DF}">
+              <a14:hiddenLine xmlns:a14="http://schemas.microsoft.com/office/drawing/2010/main" w="9525">
+                <a:solidFill>
+                  <a:schemeClr val="tx1"/>
+                </a:solidFill>
+                <a:miter lim="800000"/>
+                <a:headEnd/>
+                <a:tailEnd/>
+              </a14:hiddenLine>
+            </a:ext>
+          </a:extLst>
+        </p:spPr>
+      </p:pic>
     </p:spTree>
     <p:extLst>
       <p:ext uri="{BB962C8B-B14F-4D97-AF65-F5344CB8AC3E}">
-        <p14:creationId xmlns:p14="http://schemas.microsoft.com/office/powerpoint/2010/main" val="3381182667"/>
+        <p14:creationId xmlns:p14="http://schemas.microsoft.com/office/powerpoint/2010/main" val="2857180295"/>
       </p:ext>
     </p:extLst>
   </p:cSld>
@@ -4201,7 +4993,7 @@
           <a:p>
             <a:r>
               <a:rPr lang="en-US" dirty="0" smtClean="0"/>
-              <a:t>Scala – Apply and UnApply</a:t>
+              <a:t>Scala – Companion Objects</a:t>
             </a:r>
             <a:endParaRPr lang="en-US" dirty="0"/>
           </a:p>
@@ -4225,104 +5017,171 @@
           <a:lstStyle/>
           <a:p>
             <a:r>
+              <a:rPr lang="en-GB" sz="1600" dirty="0" smtClean="0"/>
+              <a:t>If a Singleton object and a class share the </a:t>
+            </a:r>
+            <a:r>
               <a:rPr lang="en-GB" sz="1600" b="1" dirty="0" smtClean="0"/>
-              <a:t>case class Time(hours : </a:t>
-            </a:r>
-            <a:r>
-              <a:rPr lang="en-GB" sz="1600" b="1" dirty="0" err="1" smtClean="0"/>
-              <a:t>Int</a:t>
+              <a:t>same name </a:t>
+            </a:r>
+            <a:r>
+              <a:rPr lang="en-GB" sz="1600" dirty="0" smtClean="0"/>
+              <a:t>and are located in the </a:t>
             </a:r>
             <a:r>
               <a:rPr lang="en-GB" sz="1600" b="1" dirty="0" smtClean="0"/>
-              <a:t> = 0, minutes: </a:t>
-            </a:r>
-            <a:r>
-              <a:rPr lang="en-GB" sz="1600" b="1" dirty="0" err="1" smtClean="0"/>
-              <a:t>Int</a:t>
-            </a:r>
+              <a:t>same source file</a:t>
+            </a:r>
+            <a:r>
+              <a:rPr lang="en-GB" sz="1600" dirty="0" smtClean="0"/>
+              <a:t>, they are called companions</a:t>
+            </a:r>
+          </a:p>
+          <a:p>
+            <a:r>
+              <a:rPr lang="en-GB" sz="1600" dirty="0" smtClean="0"/>
+              <a:t>A companion class can access private fields and methods inside of its companion object</a:t>
+            </a:r>
+          </a:p>
+          <a:p>
+            <a:pPr marL="0" indent="0">
+              <a:buNone/>
+            </a:pPr>
+            <a:endParaRPr lang="en-GB" sz="1600" dirty="0"/>
+          </a:p>
+          <a:p>
+            <a:pPr marL="0" indent="0">
+              <a:buNone/>
+            </a:pPr>
             <a:r>
               <a:rPr lang="en-GB" sz="1600" b="1" dirty="0" smtClean="0"/>
-              <a:t> = 0)</a:t>
-            </a:r>
-          </a:p>
-          <a:p>
-            <a:r>
-              <a:rPr lang="en-GB" sz="1600" b="1" dirty="0" err="1" smtClean="0"/>
+              <a:t>Example:-</a:t>
+            </a:r>
+          </a:p>
+          <a:p>
+            <a:pPr marL="0" indent="0">
+              <a:buNone/>
+            </a:pPr>
+            <a:endParaRPr lang="en-GB" sz="1600" dirty="0"/>
+          </a:p>
+          <a:p>
+            <a:pPr marL="0" indent="0">
+              <a:buNone/>
+            </a:pPr>
+            <a:r>
+              <a:rPr lang="en-GB" sz="1600" dirty="0" smtClean="0"/>
+              <a:t>object </a:t>
+            </a:r>
+            <a:r>
+              <a:rPr lang="en-GB" sz="1600" b="1" dirty="0" smtClean="0"/>
+              <a:t>Hello</a:t>
+            </a:r>
+            <a:r>
+              <a:rPr lang="en-GB" sz="1600" dirty="0" smtClean="0"/>
+              <a:t> {</a:t>
+            </a:r>
+          </a:p>
+          <a:p>
+            <a:pPr marL="0" indent="0">
+              <a:buNone/>
+            </a:pPr>
+            <a:r>
+              <a:rPr lang="en-GB" sz="1600" dirty="0"/>
+              <a:t>	</a:t>
+            </a:r>
+            <a:r>
+              <a:rPr lang="en-GB" sz="1600" dirty="0" smtClean="0"/>
+              <a:t>private </a:t>
+            </a:r>
+            <a:r>
+              <a:rPr lang="en-GB" sz="1600" dirty="0" err="1" smtClean="0"/>
               <a:t>val</a:t>
             </a:r>
             <a:r>
-              <a:rPr lang="en-GB" sz="1600" b="1" dirty="0" smtClean="0"/>
-              <a:t> time = Time (9, 0)</a:t>
-            </a:r>
-          </a:p>
-          <a:p>
-            <a:endParaRPr lang="en-GB" sz="1600" dirty="0"/>
-          </a:p>
-          <a:p>
-            <a:r>
-              <a:rPr lang="en-GB" sz="1600" dirty="0" smtClean="0"/>
-              <a:t>In the above example, </a:t>
-            </a:r>
-            <a:r>
-              <a:rPr lang="en-GB" sz="1600" b="1" dirty="0" smtClean="0"/>
-              <a:t>new keyword is not used </a:t>
-            </a:r>
-            <a:r>
-              <a:rPr lang="en-GB" sz="1600" dirty="0" smtClean="0"/>
-              <a:t>to create an object</a:t>
-            </a:r>
-          </a:p>
-          <a:p>
-            <a:r>
-              <a:rPr lang="en-GB" sz="1600" dirty="0" smtClean="0"/>
-              <a:t>Scala compiler creates the companion object and </a:t>
-            </a:r>
-            <a:r>
-              <a:rPr lang="en-GB" sz="1600" b="1" dirty="0" smtClean="0"/>
-              <a:t>apply</a:t>
-            </a:r>
-            <a:r>
-              <a:rPr lang="en-GB" sz="1600" dirty="0" smtClean="0"/>
-              <a:t> method inside companion object which is a factory for that time instance. So, the apply method will call the constructor and creates the new instance of the time class based on the parameters available.</a:t>
-            </a:r>
-          </a:p>
-          <a:p>
-            <a:r>
-              <a:rPr lang="en-GB" sz="1600" b="1" dirty="0" err="1" smtClean="0"/>
-              <a:t>Unapply</a:t>
-            </a:r>
-            <a:r>
-              <a:rPr lang="en-GB" sz="1600" dirty="0"/>
+              <a:rPr lang="en-GB" sz="1600" dirty="0" smtClean="0"/>
               <a:t> </a:t>
             </a:r>
             <a:r>
-              <a:rPr lang="en-GB" sz="1600" dirty="0" smtClean="0"/>
-              <a:t>deconstructs a Case class i.e. when you call the </a:t>
-            </a:r>
-            <a:r>
               <a:rPr lang="en-GB" sz="1600" dirty="0" err="1" smtClean="0"/>
-              <a:t>Unapply</a:t>
-            </a:r>
-            <a:r>
-              <a:rPr lang="en-GB" sz="1600" dirty="0" smtClean="0"/>
-              <a:t> method passing the objects, you will get the </a:t>
-            </a:r>
-            <a:r>
-              <a:rPr lang="en-GB" sz="1600" b="1" dirty="0" smtClean="0"/>
-              <a:t>values </a:t>
-            </a:r>
-            <a:r>
-              <a:rPr lang="en-GB" sz="1600" dirty="0" smtClean="0"/>
-              <a:t>that are inside of the object</a:t>
-            </a:r>
-            <a:endParaRPr lang="en-GB" sz="1000" dirty="0"/>
+              <a:t>defaultMessage</a:t>
+            </a:r>
+            <a:r>
+              <a:rPr lang="en-GB" sz="1600" dirty="0" smtClean="0"/>
+              <a:t> = “Hello!”</a:t>
+            </a:r>
+          </a:p>
+          <a:p>
+            <a:pPr marL="0" indent="0">
+              <a:buNone/>
+            </a:pPr>
+            <a:r>
+              <a:rPr lang="en-GB" sz="1600" dirty="0" smtClean="0"/>
+              <a:t>}</a:t>
+            </a:r>
+          </a:p>
+          <a:p>
+            <a:pPr marL="0" indent="0">
+              <a:buNone/>
+            </a:pPr>
+            <a:endParaRPr lang="en-GB" sz="1400" dirty="0" smtClean="0"/>
+          </a:p>
+          <a:p>
+            <a:pPr marL="0" indent="0">
+              <a:buNone/>
+            </a:pPr>
+            <a:r>
+              <a:rPr lang="en-GB" sz="1400" dirty="0" smtClean="0"/>
+              <a:t>class </a:t>
+            </a:r>
+            <a:r>
+              <a:rPr lang="en-GB" sz="1400" b="1" dirty="0" smtClean="0"/>
+              <a:t>Hello</a:t>
+            </a:r>
+            <a:r>
+              <a:rPr lang="en-GB" sz="1400" dirty="0" smtClean="0"/>
+              <a:t> (message : String = </a:t>
+            </a:r>
+            <a:r>
+              <a:rPr lang="en-GB" sz="1400" dirty="0" err="1" smtClean="0"/>
+              <a:t>Hello.defaultMessage</a:t>
+            </a:r>
+            <a:r>
+              <a:rPr lang="en-GB" sz="1400" dirty="0" smtClean="0"/>
+              <a:t>) {</a:t>
+            </a:r>
+          </a:p>
+          <a:p>
+            <a:pPr marL="0" indent="0">
+              <a:buNone/>
+            </a:pPr>
+            <a:r>
+              <a:rPr lang="en-GB" sz="1400" dirty="0"/>
+              <a:t>	</a:t>
+            </a:r>
+            <a:r>
+              <a:rPr lang="en-GB" sz="1400" dirty="0" err="1" smtClean="0"/>
+              <a:t>println</a:t>
+            </a:r>
+            <a:r>
+              <a:rPr lang="en-GB" sz="1400" dirty="0" smtClean="0"/>
+              <a:t> (message)</a:t>
+            </a:r>
+          </a:p>
+          <a:p>
+            <a:pPr marL="0" indent="0">
+              <a:buNone/>
+            </a:pPr>
+            <a:r>
+              <a:rPr lang="en-GB" sz="1400" dirty="0"/>
+              <a:t>}</a:t>
+            </a:r>
           </a:p>
         </p:txBody>
       </p:sp>
     </p:spTree>
     <p:extLst>
       <p:ext uri="{BB962C8B-B14F-4D97-AF65-F5344CB8AC3E}">
-        <p14:creationId xmlns:p14="http://schemas.microsoft.com/office/powerpoint/2010/main" val="1653185715"/>
+        <p14:creationId xmlns:p14="http://schemas.microsoft.com/office/powerpoint/2010/main" val="3520017557"/>
       </p:ext>
     </p:extLst>
   </p:cSld>
@@ -4368,6 +5227,458 @@
         </p:nvSpPr>
         <p:spPr/>
         <p:txBody>
+          <a:bodyPr>
+            <a:normAutofit fontScale="90000"/>
+          </a:bodyPr>
+          <a:lstStyle/>
+          <a:p>
+            <a:r>
+              <a:rPr lang="en-US" dirty="0" smtClean="0"/>
+              <a:t>Scala – Default Values for Parameters</a:t>
+            </a:r>
+            <a:endParaRPr lang="en-US" dirty="0"/>
+          </a:p>
+        </p:txBody>
+      </p:sp>
+      <p:sp>
+        <p:nvSpPr>
+          <p:cNvPr id="3" name="Content Placeholder 2"/>
+          <p:cNvSpPr>
+            <a:spLocks noGrp="1"/>
+          </p:cNvSpPr>
+          <p:nvPr>
+            <p:ph idx="1"/>
+          </p:nvPr>
+        </p:nvSpPr>
+        <p:spPr/>
+        <p:txBody>
+          <a:bodyPr>
+            <a:normAutofit/>
+          </a:bodyPr>
+          <a:lstStyle/>
+          <a:p>
+            <a:r>
+              <a:rPr lang="en-GB" sz="1600" dirty="0" smtClean="0"/>
+              <a:t>The important usage of default parameter is that you can </a:t>
+            </a:r>
+            <a:r>
+              <a:rPr lang="en-GB" sz="1600" b="1" dirty="0" smtClean="0">
+                <a:solidFill>
+                  <a:srgbClr val="00B050"/>
+                </a:solidFill>
+              </a:rPr>
+              <a:t>avoid method overloading</a:t>
+            </a:r>
+            <a:r>
+              <a:rPr lang="en-GB" sz="1600" dirty="0" smtClean="0"/>
+              <a:t> by having default values for parameters</a:t>
+            </a:r>
+            <a:endParaRPr lang="en-GB" sz="1400" dirty="0"/>
+          </a:p>
+        </p:txBody>
+      </p:sp>
+    </p:spTree>
+    <p:extLst>
+      <p:ext uri="{BB962C8B-B14F-4D97-AF65-F5344CB8AC3E}">
+        <p14:creationId xmlns:p14="http://schemas.microsoft.com/office/powerpoint/2010/main" val="3028284950"/>
+      </p:ext>
+    </p:extLst>
+  </p:cSld>
+  <p:clrMapOvr>
+    <a:masterClrMapping/>
+  </p:clrMapOvr>
+  <p:timing>
+    <p:tnLst>
+      <p:par>
+        <p:cTn id="1" dur="indefinite" restart="never" nodeType="tmRoot"/>
+      </p:par>
+    </p:tnLst>
+  </p:timing>
+</p:sld>
+</file>
+
+<file path=ppt/slides/slide6.xml><?xml version="1.0" encoding="utf-8"?>
+<p:sld xmlns:a="http://schemas.openxmlformats.org/drawingml/2006/main" xmlns:r="http://schemas.openxmlformats.org/officeDocument/2006/relationships" xmlns:p="http://schemas.openxmlformats.org/presentationml/2006/main">
+  <p:cSld>
+    <p:spTree>
+      <p:nvGrpSpPr>
+        <p:cNvPr id="1" name=""/>
+        <p:cNvGrpSpPr/>
+        <p:nvPr/>
+      </p:nvGrpSpPr>
+      <p:grpSpPr>
+        <a:xfrm>
+          <a:off x="0" y="0"/>
+          <a:ext cx="0" cy="0"/>
+          <a:chOff x="0" y="0"/>
+          <a:chExt cx="0" cy="0"/>
+        </a:xfrm>
+      </p:grpSpPr>
+      <p:sp>
+        <p:nvSpPr>
+          <p:cNvPr id="2" name="Title 1"/>
+          <p:cNvSpPr>
+            <a:spLocks noGrp="1"/>
+          </p:cNvSpPr>
+          <p:nvPr>
+            <p:ph type="title"/>
+          </p:nvPr>
+        </p:nvSpPr>
+        <p:spPr/>
+        <p:txBody>
+          <a:bodyPr/>
+          <a:lstStyle/>
+          <a:p>
+            <a:r>
+              <a:rPr lang="en-US" dirty="0" smtClean="0"/>
+              <a:t>Scala – Case Classes &amp; Objects</a:t>
+            </a:r>
+            <a:endParaRPr lang="en-US" dirty="0"/>
+          </a:p>
+        </p:txBody>
+      </p:sp>
+      <p:sp>
+        <p:nvSpPr>
+          <p:cNvPr id="3" name="Content Placeholder 2"/>
+          <p:cNvSpPr>
+            <a:spLocks noGrp="1"/>
+          </p:cNvSpPr>
+          <p:nvPr>
+            <p:ph idx="1"/>
+          </p:nvPr>
+        </p:nvSpPr>
+        <p:spPr/>
+        <p:txBody>
+          <a:bodyPr>
+            <a:normAutofit/>
+          </a:bodyPr>
+          <a:lstStyle/>
+          <a:p>
+            <a:r>
+              <a:rPr lang="en-GB" sz="1600" b="1" dirty="0" smtClean="0"/>
+              <a:t>Case Class:-</a:t>
+            </a:r>
+          </a:p>
+          <a:p>
+            <a:pPr lvl="1"/>
+            <a:r>
+              <a:rPr lang="en-GB" sz="1400" dirty="0" smtClean="0"/>
+              <a:t>Generates JVM-specific convenience methods</a:t>
+            </a:r>
+          </a:p>
+          <a:p>
+            <a:pPr lvl="1"/>
+            <a:r>
+              <a:rPr lang="en-GB" sz="1400" dirty="0" smtClean="0"/>
+              <a:t>Makes every class parameter a </a:t>
+            </a:r>
+            <a:r>
+              <a:rPr lang="en-GB" sz="1400" b="1" dirty="0" smtClean="0"/>
+              <a:t>field </a:t>
+            </a:r>
+            <a:r>
+              <a:rPr lang="en-GB" sz="1400" dirty="0" smtClean="0"/>
+              <a:t>(field means – it is basically an instance field)</a:t>
+            </a:r>
+          </a:p>
+          <a:p>
+            <a:pPr lvl="1"/>
+            <a:r>
+              <a:rPr lang="en-GB" sz="1400" b="1" dirty="0" smtClean="0"/>
+              <a:t>Immutable</a:t>
+            </a:r>
+            <a:r>
+              <a:rPr lang="en-GB" sz="1400" dirty="0" smtClean="0"/>
+              <a:t> by default</a:t>
+            </a:r>
+          </a:p>
+          <a:p>
+            <a:pPr lvl="1"/>
+            <a:r>
+              <a:rPr lang="en-GB" sz="1400" dirty="0" smtClean="0"/>
+              <a:t>Performs value-based equivalent by default (rather than checking the object instances to determine whether they are equal)</a:t>
+            </a:r>
+          </a:p>
+          <a:p>
+            <a:pPr lvl="1"/>
+            <a:endParaRPr lang="en-GB" sz="1000" b="1" dirty="0" smtClean="0"/>
+          </a:p>
+          <a:p>
+            <a:r>
+              <a:rPr lang="en-GB" sz="1600" b="1" dirty="0"/>
+              <a:t>Case </a:t>
+            </a:r>
+            <a:r>
+              <a:rPr lang="en-GB" sz="1600" b="1" dirty="0" smtClean="0"/>
+              <a:t>Object:-</a:t>
+            </a:r>
+          </a:p>
+          <a:p>
+            <a:pPr lvl="1"/>
+            <a:r>
+              <a:rPr lang="en-GB" sz="1400" dirty="0" smtClean="0"/>
+              <a:t>If a case class is an instance-based representation of a data type, a case object is a representation of a data type of which there can only be a </a:t>
+            </a:r>
+            <a:r>
+              <a:rPr lang="en-GB" sz="1400" b="1" dirty="0" smtClean="0"/>
+              <a:t>single instance</a:t>
+            </a:r>
+          </a:p>
+          <a:p>
+            <a:pPr lvl="1"/>
+            <a:r>
+              <a:rPr lang="en-GB" sz="1400" dirty="0" smtClean="0"/>
+              <a:t>If you try to create a case class with </a:t>
+            </a:r>
+            <a:r>
+              <a:rPr lang="en-GB" sz="1400" b="1" dirty="0" smtClean="0">
+                <a:solidFill>
+                  <a:srgbClr val="FF0000"/>
+                </a:solidFill>
+              </a:rPr>
+              <a:t>no</a:t>
+            </a:r>
+            <a:r>
+              <a:rPr lang="en-GB" sz="1400" dirty="0" smtClean="0"/>
+              <a:t> parameters, it is </a:t>
+            </a:r>
+            <a:r>
+              <a:rPr lang="en-GB" sz="1400" b="1" dirty="0" smtClean="0"/>
+              <a:t>stateless </a:t>
+            </a:r>
+            <a:r>
+              <a:rPr lang="en-GB" sz="1400" dirty="0" smtClean="0"/>
+              <a:t>and should be a case object</a:t>
+            </a:r>
+            <a:endParaRPr lang="en-GB" sz="1400" b="1" dirty="0"/>
+          </a:p>
+          <a:p>
+            <a:pPr lvl="1"/>
+            <a:endParaRPr lang="en-GB" sz="1000" b="1" dirty="0"/>
+          </a:p>
+        </p:txBody>
+      </p:sp>
+    </p:spTree>
+    <p:extLst>
+      <p:ext uri="{BB962C8B-B14F-4D97-AF65-F5344CB8AC3E}">
+        <p14:creationId xmlns:p14="http://schemas.microsoft.com/office/powerpoint/2010/main" val="3381182667"/>
+      </p:ext>
+    </p:extLst>
+  </p:cSld>
+  <p:clrMapOvr>
+    <a:masterClrMapping/>
+  </p:clrMapOvr>
+  <p:timing>
+    <p:tnLst>
+      <p:par>
+        <p:cTn id="1" dur="indefinite" restart="never" nodeType="tmRoot"/>
+      </p:par>
+    </p:tnLst>
+  </p:timing>
+</p:sld>
+</file>
+
+<file path=ppt/slides/slide7.xml><?xml version="1.0" encoding="utf-8"?>
+<p:sld xmlns:a="http://schemas.openxmlformats.org/drawingml/2006/main" xmlns:r="http://schemas.openxmlformats.org/officeDocument/2006/relationships" xmlns:p="http://schemas.openxmlformats.org/presentationml/2006/main">
+  <p:cSld>
+    <p:spTree>
+      <p:nvGrpSpPr>
+        <p:cNvPr id="1" name=""/>
+        <p:cNvGrpSpPr/>
+        <p:nvPr/>
+      </p:nvGrpSpPr>
+      <p:grpSpPr>
+        <a:xfrm>
+          <a:off x="0" y="0"/>
+          <a:ext cx="0" cy="0"/>
+          <a:chOff x="0" y="0"/>
+          <a:chExt cx="0" cy="0"/>
+        </a:xfrm>
+      </p:grpSpPr>
+      <p:sp>
+        <p:nvSpPr>
+          <p:cNvPr id="2" name="Title 1"/>
+          <p:cNvSpPr>
+            <a:spLocks noGrp="1"/>
+          </p:cNvSpPr>
+          <p:nvPr>
+            <p:ph type="title"/>
+          </p:nvPr>
+        </p:nvSpPr>
+        <p:spPr/>
+        <p:txBody>
+          <a:bodyPr/>
+          <a:lstStyle/>
+          <a:p>
+            <a:r>
+              <a:rPr lang="en-US" dirty="0" smtClean="0"/>
+              <a:t>Scala – Apply and UnApply</a:t>
+            </a:r>
+            <a:endParaRPr lang="en-US" dirty="0"/>
+          </a:p>
+        </p:txBody>
+      </p:sp>
+      <p:sp>
+        <p:nvSpPr>
+          <p:cNvPr id="3" name="Content Placeholder 2"/>
+          <p:cNvSpPr>
+            <a:spLocks noGrp="1"/>
+          </p:cNvSpPr>
+          <p:nvPr>
+            <p:ph idx="1"/>
+          </p:nvPr>
+        </p:nvSpPr>
+        <p:spPr/>
+        <p:txBody>
+          <a:bodyPr>
+            <a:normAutofit/>
+          </a:bodyPr>
+          <a:lstStyle/>
+          <a:p>
+            <a:r>
+              <a:rPr lang="en-GB" sz="1600" b="1" dirty="0" smtClean="0"/>
+              <a:t>case class Time(hours : </a:t>
+            </a:r>
+            <a:r>
+              <a:rPr lang="en-GB" sz="1600" b="1" dirty="0" err="1" smtClean="0"/>
+              <a:t>Int</a:t>
+            </a:r>
+            <a:r>
+              <a:rPr lang="en-GB" sz="1600" b="1" dirty="0" smtClean="0"/>
+              <a:t> = 0, minutes: </a:t>
+            </a:r>
+            <a:r>
+              <a:rPr lang="en-GB" sz="1600" b="1" dirty="0" err="1" smtClean="0"/>
+              <a:t>Int</a:t>
+            </a:r>
+            <a:r>
+              <a:rPr lang="en-GB" sz="1600" b="1" dirty="0" smtClean="0"/>
+              <a:t> = 0)</a:t>
+            </a:r>
+          </a:p>
+          <a:p>
+            <a:r>
+              <a:rPr lang="en-GB" sz="1600" b="1" dirty="0" err="1" smtClean="0"/>
+              <a:t>val</a:t>
+            </a:r>
+            <a:r>
+              <a:rPr lang="en-GB" sz="1600" b="1" dirty="0" smtClean="0"/>
+              <a:t> time = Time (9, 0)</a:t>
+            </a:r>
+          </a:p>
+          <a:p>
+            <a:endParaRPr lang="en-GB" sz="1600" dirty="0"/>
+          </a:p>
+          <a:p>
+            <a:r>
+              <a:rPr lang="en-GB" sz="1600" dirty="0" smtClean="0"/>
+              <a:t>In the above example, </a:t>
+            </a:r>
+            <a:r>
+              <a:rPr lang="en-GB" sz="1600" b="1" dirty="0" smtClean="0"/>
+              <a:t>new keyword is not used </a:t>
+            </a:r>
+            <a:r>
+              <a:rPr lang="en-GB" sz="1600" dirty="0" smtClean="0"/>
+              <a:t>to create an object</a:t>
+            </a:r>
+          </a:p>
+          <a:p>
+            <a:r>
+              <a:rPr lang="en-GB" sz="1600" dirty="0" smtClean="0"/>
+              <a:t>Scala compiler creates the companion object and </a:t>
+            </a:r>
+            <a:r>
+              <a:rPr lang="en-GB" sz="1600" b="1" dirty="0" smtClean="0"/>
+              <a:t>apply</a:t>
+            </a:r>
+            <a:r>
+              <a:rPr lang="en-GB" sz="1600" dirty="0" smtClean="0"/>
+              <a:t> method inside companion object which is a factory for that time instance. So, the apply method will call the constructor and creates the new instance of the time class based on the parameters available.</a:t>
+            </a:r>
+          </a:p>
+          <a:p>
+            <a:r>
+              <a:rPr lang="en-GB" sz="1600" b="1" dirty="0" err="1" smtClean="0"/>
+              <a:t>Unapply</a:t>
+            </a:r>
+            <a:r>
+              <a:rPr lang="en-GB" sz="1600" dirty="0"/>
+              <a:t> </a:t>
+            </a:r>
+            <a:r>
+              <a:rPr lang="en-GB" sz="1600" dirty="0" smtClean="0"/>
+              <a:t>deconstructs a Case class i.e. when you call the </a:t>
+            </a:r>
+            <a:r>
+              <a:rPr lang="en-GB" sz="1600" dirty="0" err="1" smtClean="0"/>
+              <a:t>Unapply</a:t>
+            </a:r>
+            <a:r>
+              <a:rPr lang="en-GB" sz="1600" dirty="0" smtClean="0"/>
+              <a:t> method passing the objects, you will get the </a:t>
+            </a:r>
+            <a:r>
+              <a:rPr lang="en-GB" sz="1600" b="1" dirty="0" smtClean="0"/>
+              <a:t>values </a:t>
+            </a:r>
+            <a:r>
+              <a:rPr lang="en-GB" sz="1600" dirty="0" smtClean="0"/>
+              <a:t>that are inside of the object</a:t>
+            </a:r>
+            <a:endParaRPr lang="en-GB" sz="1000" dirty="0"/>
+          </a:p>
+        </p:txBody>
+      </p:sp>
+    </p:spTree>
+    <p:extLst>
+      <p:ext uri="{BB962C8B-B14F-4D97-AF65-F5344CB8AC3E}">
+        <p14:creationId xmlns:p14="http://schemas.microsoft.com/office/powerpoint/2010/main" val="1653185715"/>
+      </p:ext>
+    </p:extLst>
+  </p:cSld>
+  <p:clrMapOvr>
+    <a:masterClrMapping/>
+  </p:clrMapOvr>
+  <p:timing>
+    <p:tnLst>
+      <p:par>
+        <p:cTn id="1" dur="indefinite" restart="never" nodeType="tmRoot"/>
+      </p:par>
+    </p:tnLst>
+  </p:timing>
+</p:sld>
+</file>
+
+<file path=ppt/slides/slide8.xml><?xml version="1.0" encoding="utf-8"?>
+<p:sld xmlns:a="http://schemas.openxmlformats.org/drawingml/2006/main" xmlns:r="http://schemas.openxmlformats.org/officeDocument/2006/relationships" xmlns:p="http://schemas.openxmlformats.org/presentationml/2006/main">
+  <p:cSld>
+    <p:spTree>
+      <p:nvGrpSpPr>
+        <p:cNvPr id="1" name=""/>
+        <p:cNvGrpSpPr/>
+        <p:nvPr/>
+      </p:nvGrpSpPr>
+      <p:grpSpPr>
+        <a:xfrm>
+          <a:off x="0" y="0"/>
+          <a:ext cx="0" cy="0"/>
+          <a:chOff x="0" y="0"/>
+          <a:chExt cx="0" cy="0"/>
+        </a:xfrm>
+      </p:grpSpPr>
+      <p:sp>
+        <p:nvSpPr>
+          <p:cNvPr id="2" name="Title 1"/>
+          <p:cNvSpPr>
+            <a:spLocks noGrp="1"/>
+          </p:cNvSpPr>
+          <p:nvPr>
+            <p:ph type="title"/>
+          </p:nvPr>
+        </p:nvSpPr>
+        <p:spPr/>
+        <p:txBody>
           <a:bodyPr/>
           <a:lstStyle/>
           <a:p>
@@ -4517,7 +5828,7 @@
 </p:sld>
 </file>
 
-<file path=ppt/slides/slide6.xml><?xml version="1.0" encoding="utf-8"?>
+<file path=ppt/slides/slide9.xml><?xml version="1.0" encoding="utf-8"?>
 <p:sld xmlns:a="http://schemas.openxmlformats.org/drawingml/2006/main" xmlns:r="http://schemas.openxmlformats.org/officeDocument/2006/relationships" xmlns:p="http://schemas.openxmlformats.org/presentationml/2006/main">
   <p:cSld>
     <p:spTree>
@@ -4762,554 +6073,6 @@
     <p:extLst>
       <p:ext uri="{BB962C8B-B14F-4D97-AF65-F5344CB8AC3E}">
         <p14:creationId xmlns:p14="http://schemas.microsoft.com/office/powerpoint/2010/main" val="1044900234"/>
-      </p:ext>
-    </p:extLst>
-  </p:cSld>
-  <p:clrMapOvr>
-    <a:masterClrMapping/>
-  </p:clrMapOvr>
-  <p:timing>
-    <p:tnLst>
-      <p:par>
-        <p:cTn id="1" dur="indefinite" restart="never" nodeType="tmRoot"/>
-      </p:par>
-    </p:tnLst>
-  </p:timing>
-</p:sld>
-</file>
-
-<file path=ppt/slides/slide7.xml><?xml version="1.0" encoding="utf-8"?>
-<p:sld xmlns:a="http://schemas.openxmlformats.org/drawingml/2006/main" xmlns:r="http://schemas.openxmlformats.org/officeDocument/2006/relationships" xmlns:p="http://schemas.openxmlformats.org/presentationml/2006/main">
-  <p:cSld>
-    <p:spTree>
-      <p:nvGrpSpPr>
-        <p:cNvPr id="1" name=""/>
-        <p:cNvGrpSpPr/>
-        <p:nvPr/>
-      </p:nvGrpSpPr>
-      <p:grpSpPr>
-        <a:xfrm>
-          <a:off x="0" y="0"/>
-          <a:ext cx="0" cy="0"/>
-          <a:chOff x="0" y="0"/>
-          <a:chExt cx="0" cy="0"/>
-        </a:xfrm>
-      </p:grpSpPr>
-      <p:sp>
-        <p:nvSpPr>
-          <p:cNvPr id="2" name="Title 1"/>
-          <p:cNvSpPr>
-            <a:spLocks noGrp="1"/>
-          </p:cNvSpPr>
-          <p:nvPr>
-            <p:ph type="title"/>
-          </p:nvPr>
-        </p:nvSpPr>
-        <p:spPr/>
-        <p:txBody>
-          <a:bodyPr/>
-          <a:lstStyle/>
-          <a:p>
-            <a:r>
-              <a:rPr lang="en-US" dirty="0" smtClean="0"/>
-              <a:t>Vectors</a:t>
-            </a:r>
-            <a:r>
-              <a:rPr lang="en-US" dirty="0"/>
-              <a:t>, Sets – Sequence Collections</a:t>
-            </a:r>
-            <a:endParaRPr lang="en-US" dirty="0"/>
-          </a:p>
-        </p:txBody>
-      </p:sp>
-      <p:sp>
-        <p:nvSpPr>
-          <p:cNvPr id="3" name="Content Placeholder 2"/>
-          <p:cNvSpPr>
-            <a:spLocks noGrp="1"/>
-          </p:cNvSpPr>
-          <p:nvPr>
-            <p:ph idx="1"/>
-          </p:nvPr>
-        </p:nvSpPr>
-        <p:spPr/>
-        <p:txBody>
-          <a:bodyPr>
-            <a:normAutofit/>
-          </a:bodyPr>
-          <a:lstStyle/>
-          <a:p>
-            <a:pPr marL="0" indent="0">
-              <a:buNone/>
-            </a:pPr>
-            <a:r>
-              <a:rPr lang="en-GB" sz="1800" b="1" dirty="0" smtClean="0"/>
-              <a:t>Vectors:-</a:t>
-            </a:r>
-          </a:p>
-          <a:p>
-            <a:r>
-              <a:rPr lang="en-GB" sz="1600" dirty="0" smtClean="0"/>
-              <a:t>A </a:t>
-            </a:r>
-            <a:r>
-              <a:rPr lang="en-GB" sz="1600" b="1" dirty="0" smtClean="0"/>
-              <a:t>linked list</a:t>
-            </a:r>
-            <a:r>
-              <a:rPr lang="en-GB" sz="1600" dirty="0" smtClean="0"/>
-              <a:t> of 32 element arrays</a:t>
-            </a:r>
-          </a:p>
-          <a:p>
-            <a:r>
-              <a:rPr lang="en-GB" sz="1600" dirty="0" smtClean="0"/>
-              <a:t>2.15 billion possible elements</a:t>
-            </a:r>
-          </a:p>
-          <a:p>
-            <a:r>
-              <a:rPr lang="en-GB" sz="1600" dirty="0" smtClean="0"/>
-              <a:t>Indexed by hashing</a:t>
-            </a:r>
-          </a:p>
-          <a:p>
-            <a:r>
-              <a:rPr lang="en-GB" sz="1600" dirty="0" smtClean="0"/>
-              <a:t>Good performance</a:t>
-            </a:r>
-          </a:p>
-          <a:p>
-            <a:pPr marL="0" indent="0">
-              <a:buNone/>
-            </a:pPr>
-            <a:endParaRPr lang="en-GB" sz="1600" dirty="0"/>
-          </a:p>
-          <a:p>
-            <a:pPr marL="0" indent="0">
-              <a:buNone/>
-            </a:pPr>
-            <a:r>
-              <a:rPr lang="en-GB" sz="1600" b="1" dirty="0" smtClean="0"/>
-              <a:t>Sets:-</a:t>
-            </a:r>
-          </a:p>
-          <a:p>
-            <a:r>
-              <a:rPr lang="en-GB" sz="1600" dirty="0" smtClean="0"/>
-              <a:t>No duplicates permitted</a:t>
-            </a:r>
-          </a:p>
-          <a:p>
-            <a:r>
-              <a:rPr lang="en-GB" sz="1600" dirty="0" smtClean="0"/>
-              <a:t>Order is not guaranteed</a:t>
-            </a:r>
-          </a:p>
-          <a:p>
-            <a:r>
-              <a:rPr lang="en-GB" sz="1600" dirty="0" smtClean="0"/>
-              <a:t>The </a:t>
-            </a:r>
-            <a:r>
-              <a:rPr lang="en-GB" sz="1600" b="1" dirty="0" smtClean="0"/>
-              <a:t>apply</a:t>
-            </a:r>
-            <a:r>
-              <a:rPr lang="en-GB" sz="1600" dirty="0" smtClean="0"/>
-              <a:t> method on an instance checks to see if the set contains a value</a:t>
-            </a:r>
-            <a:endParaRPr lang="en-GB" sz="1600" dirty="0"/>
-          </a:p>
-          <a:p>
-            <a:pPr marL="0" indent="0">
-              <a:buNone/>
-            </a:pPr>
-            <a:endParaRPr lang="en-GB" sz="1600" b="1" dirty="0"/>
-          </a:p>
-          <a:p>
-            <a:pPr marL="0" indent="0">
-              <a:buNone/>
-            </a:pPr>
-            <a:endParaRPr lang="en-GB" sz="1600" dirty="0"/>
-          </a:p>
-        </p:txBody>
-      </p:sp>
-    </p:spTree>
-    <p:extLst>
-      <p:ext uri="{BB962C8B-B14F-4D97-AF65-F5344CB8AC3E}">
-        <p14:creationId xmlns:p14="http://schemas.microsoft.com/office/powerpoint/2010/main" val="1718666759"/>
-      </p:ext>
-    </p:extLst>
-  </p:cSld>
-  <p:clrMapOvr>
-    <a:masterClrMapping/>
-  </p:clrMapOvr>
-  <p:timing>
-    <p:tnLst>
-      <p:par>
-        <p:cTn id="1" dur="indefinite" restart="never" nodeType="tmRoot"/>
-      </p:par>
-    </p:tnLst>
-  </p:timing>
-</p:sld>
-</file>
-
-<file path=ppt/slides/slide8.xml><?xml version="1.0" encoding="utf-8"?>
-<p:sld xmlns:a="http://schemas.openxmlformats.org/drawingml/2006/main" xmlns:r="http://schemas.openxmlformats.org/officeDocument/2006/relationships" xmlns:p="http://schemas.openxmlformats.org/presentationml/2006/main">
-  <p:cSld>
-    <p:spTree>
-      <p:nvGrpSpPr>
-        <p:cNvPr id="1" name=""/>
-        <p:cNvGrpSpPr/>
-        <p:nvPr/>
-      </p:nvGrpSpPr>
-      <p:grpSpPr>
-        <a:xfrm>
-          <a:off x="0" y="0"/>
-          <a:ext cx="0" cy="0"/>
-          <a:chOff x="0" y="0"/>
-          <a:chExt cx="0" cy="0"/>
-        </a:xfrm>
-      </p:grpSpPr>
-      <p:sp>
-        <p:nvSpPr>
-          <p:cNvPr id="2" name="Title 1"/>
-          <p:cNvSpPr>
-            <a:spLocks noGrp="1"/>
-          </p:cNvSpPr>
-          <p:nvPr>
-            <p:ph type="title"/>
-          </p:nvPr>
-        </p:nvSpPr>
-        <p:spPr/>
-        <p:txBody>
-          <a:bodyPr/>
-          <a:lstStyle/>
-          <a:p>
-            <a:r>
-              <a:rPr lang="en-US" dirty="0" smtClean="0"/>
-              <a:t>Option</a:t>
-            </a:r>
-            <a:endParaRPr lang="en-US" dirty="0"/>
-          </a:p>
-        </p:txBody>
-      </p:sp>
-      <p:sp>
-        <p:nvSpPr>
-          <p:cNvPr id="3" name="Content Placeholder 2"/>
-          <p:cNvSpPr>
-            <a:spLocks noGrp="1"/>
-          </p:cNvSpPr>
-          <p:nvPr>
-            <p:ph idx="1"/>
-          </p:nvPr>
-        </p:nvSpPr>
-        <p:spPr/>
-        <p:txBody>
-          <a:bodyPr>
-            <a:normAutofit/>
-          </a:bodyPr>
-          <a:lstStyle/>
-          <a:p>
-            <a:pPr marL="0" indent="0">
-              <a:buNone/>
-            </a:pPr>
-            <a:r>
-              <a:rPr lang="en-GB" sz="1800" b="1" dirty="0" smtClean="0"/>
-              <a:t>Algebraic Data Types (ADTs):-</a:t>
-            </a:r>
-          </a:p>
-          <a:p>
-            <a:r>
-              <a:rPr lang="en-GB" sz="1600" dirty="0" smtClean="0"/>
-              <a:t>A distinct set of possible types</a:t>
-            </a:r>
-          </a:p>
-          <a:p>
-            <a:r>
-              <a:rPr lang="en-GB" sz="1600" b="1" dirty="0" smtClean="0"/>
-              <a:t>Example :</a:t>
-            </a:r>
-            <a:r>
-              <a:rPr lang="en-GB" sz="1600" dirty="0" smtClean="0"/>
-              <a:t> </a:t>
-            </a:r>
-            <a:r>
-              <a:rPr lang="en-GB" sz="1600" dirty="0"/>
-              <a:t>D</a:t>
-            </a:r>
-            <a:r>
-              <a:rPr lang="en-GB" sz="1600" dirty="0" smtClean="0"/>
-              <a:t>ays in a week, True/False</a:t>
-            </a:r>
-          </a:p>
-          <a:p>
-            <a:endParaRPr lang="en-GB" sz="1600" dirty="0"/>
-          </a:p>
-          <a:p>
-            <a:pPr marL="0" indent="0">
-              <a:buNone/>
-            </a:pPr>
-            <a:r>
-              <a:rPr lang="en-GB" sz="1600" b="1" dirty="0" smtClean="0"/>
-              <a:t>Option:-</a:t>
-            </a:r>
-          </a:p>
-          <a:p>
-            <a:r>
-              <a:rPr lang="en-GB" sz="1600" dirty="0" smtClean="0"/>
-              <a:t>Not a collection, but a container</a:t>
-            </a:r>
-          </a:p>
-          <a:p>
-            <a:r>
-              <a:rPr lang="en-GB" sz="1600" b="1" dirty="0" smtClean="0"/>
-              <a:t>Some – </a:t>
-            </a:r>
-            <a:r>
-              <a:rPr lang="en-GB" sz="1600" dirty="0" smtClean="0"/>
-              <a:t>Representation of the value</a:t>
-            </a:r>
-          </a:p>
-          <a:p>
-            <a:r>
-              <a:rPr lang="en-GB" sz="1600" b="1" dirty="0" smtClean="0"/>
-              <a:t>None – </a:t>
-            </a:r>
-            <a:r>
-              <a:rPr lang="en-GB" sz="1600" dirty="0" smtClean="0"/>
-              <a:t>Representation of the absence of a value</a:t>
-            </a:r>
-          </a:p>
-          <a:p>
-            <a:r>
-              <a:rPr lang="en-GB" sz="1600" dirty="0" smtClean="0"/>
-              <a:t>Allows us to avoid null on the JVM</a:t>
-            </a:r>
-            <a:endParaRPr lang="en-GB" sz="1600" dirty="0"/>
-          </a:p>
-          <a:p>
-            <a:endParaRPr lang="en-GB" sz="1600" dirty="0" smtClean="0"/>
-          </a:p>
-        </p:txBody>
-      </p:sp>
-    </p:spTree>
-    <p:extLst>
-      <p:ext uri="{BB962C8B-B14F-4D97-AF65-F5344CB8AC3E}">
-        <p14:creationId xmlns:p14="http://schemas.microsoft.com/office/powerpoint/2010/main" val="963193061"/>
-      </p:ext>
-    </p:extLst>
-  </p:cSld>
-  <p:clrMapOvr>
-    <a:masterClrMapping/>
-  </p:clrMapOvr>
-  <p:timing>
-    <p:tnLst>
-      <p:par>
-        <p:cTn id="1" dur="indefinite" restart="never" nodeType="tmRoot"/>
-      </p:par>
-    </p:tnLst>
-  </p:timing>
-</p:sld>
-</file>
-
-<file path=ppt/slides/slide9.xml><?xml version="1.0" encoding="utf-8"?>
-<p:sld xmlns:a="http://schemas.openxmlformats.org/drawingml/2006/main" xmlns:r="http://schemas.openxmlformats.org/officeDocument/2006/relationships" xmlns:p="http://schemas.openxmlformats.org/presentationml/2006/main">
-  <p:cSld>
-    <p:spTree>
-      <p:nvGrpSpPr>
-        <p:cNvPr id="1" name=""/>
-        <p:cNvGrpSpPr/>
-        <p:nvPr/>
-      </p:nvGrpSpPr>
-      <p:grpSpPr>
-        <a:xfrm>
-          <a:off x="0" y="0"/>
-          <a:ext cx="0" cy="0"/>
-          <a:chOff x="0" y="0"/>
-          <a:chExt cx="0" cy="0"/>
-        </a:xfrm>
-      </p:grpSpPr>
-      <p:sp>
-        <p:nvSpPr>
-          <p:cNvPr id="2" name="Title 1"/>
-          <p:cNvSpPr>
-            <a:spLocks noGrp="1"/>
-          </p:cNvSpPr>
-          <p:nvPr>
-            <p:ph type="title"/>
-          </p:nvPr>
-        </p:nvSpPr>
-        <p:spPr/>
-        <p:txBody>
-          <a:bodyPr/>
-          <a:lstStyle/>
-          <a:p>
-            <a:r>
-              <a:rPr lang="en-US" dirty="0" smtClean="0"/>
-              <a:t>Tuples and Maps</a:t>
-            </a:r>
-            <a:endParaRPr lang="en-US" dirty="0"/>
-          </a:p>
-        </p:txBody>
-      </p:sp>
-      <p:sp>
-        <p:nvSpPr>
-          <p:cNvPr id="3" name="Content Placeholder 2"/>
-          <p:cNvSpPr>
-            <a:spLocks noGrp="1"/>
-          </p:cNvSpPr>
-          <p:nvPr>
-            <p:ph idx="1"/>
-          </p:nvPr>
-        </p:nvSpPr>
-        <p:spPr/>
-        <p:txBody>
-          <a:bodyPr>
-            <a:normAutofit/>
-          </a:bodyPr>
-          <a:lstStyle/>
-          <a:p>
-            <a:pPr marL="0" indent="0">
-              <a:buNone/>
-            </a:pPr>
-            <a:r>
-              <a:rPr lang="en-GB" sz="1800" b="1" dirty="0" smtClean="0"/>
-              <a:t>Tuples:-</a:t>
-            </a:r>
-          </a:p>
-          <a:p>
-            <a:r>
-              <a:rPr lang="en-GB" sz="1600" dirty="0" smtClean="0"/>
-              <a:t>A loose aggregation of values into a single container</a:t>
-            </a:r>
-          </a:p>
-          <a:p>
-            <a:r>
-              <a:rPr lang="en-GB" sz="1600" dirty="0" smtClean="0"/>
-              <a:t>Can have up to </a:t>
-            </a:r>
-            <a:r>
-              <a:rPr lang="en-GB" sz="1600" b="1" dirty="0" smtClean="0"/>
-              <a:t>22 values</a:t>
-            </a:r>
-            <a:r>
-              <a:rPr lang="en-GB" sz="1600" dirty="0" smtClean="0"/>
-              <a:t> in Scala </a:t>
-            </a:r>
-          </a:p>
-          <a:p>
-            <a:r>
-              <a:rPr lang="en-GB" sz="1600" dirty="0" smtClean="0"/>
-              <a:t>Can be accessed using a 1-based accessor for each value</a:t>
-            </a:r>
-          </a:p>
-          <a:p>
-            <a:pPr marL="0" indent="0">
-              <a:buNone/>
-            </a:pPr>
-            <a:endParaRPr lang="en-GB" sz="1600" dirty="0"/>
-          </a:p>
-          <a:p>
-            <a:pPr marL="0" indent="0">
-              <a:buNone/>
-            </a:pPr>
-            <a:r>
-              <a:rPr lang="en-GB" sz="1600" b="1" dirty="0" smtClean="0"/>
-              <a:t>Example:-</a:t>
-            </a:r>
-          </a:p>
-          <a:p>
-            <a:pPr marL="0" indent="0">
-              <a:buNone/>
-            </a:pPr>
-            <a:r>
-              <a:rPr lang="en-GB" sz="1600" dirty="0" err="1" smtClean="0"/>
-              <a:t>val</a:t>
-            </a:r>
-            <a:r>
-              <a:rPr lang="en-GB" sz="1600" dirty="0" smtClean="0"/>
-              <a:t> tuple = (1, “a”, 2, “b”);</a:t>
-            </a:r>
-          </a:p>
-          <a:p>
-            <a:pPr marL="0" indent="0">
-              <a:buNone/>
-            </a:pPr>
-            <a:r>
-              <a:rPr lang="en-GB" sz="1600" dirty="0" smtClean="0"/>
-              <a:t>tuple._3	</a:t>
-            </a:r>
-            <a:r>
-              <a:rPr lang="en-GB" sz="1600" dirty="0" smtClean="0">
-                <a:sym typeface="Wingdings" panose="05000000000000000000" pitchFamily="2" charset="2"/>
-              </a:rPr>
-              <a:t> will give you </a:t>
-            </a:r>
-            <a:r>
-              <a:rPr lang="en-GB" sz="1600" b="1" dirty="0" err="1" smtClean="0">
-                <a:sym typeface="Wingdings" panose="05000000000000000000" pitchFamily="2" charset="2"/>
-              </a:rPr>
-              <a:t>Int</a:t>
-            </a:r>
-            <a:r>
-              <a:rPr lang="en-GB" sz="1600" b="1" dirty="0" smtClean="0">
-                <a:sym typeface="Wingdings" panose="05000000000000000000" pitchFamily="2" charset="2"/>
-              </a:rPr>
-              <a:t> = 2</a:t>
-            </a:r>
-            <a:endParaRPr lang="en-GB" sz="1600" b="1" dirty="0" smtClean="0"/>
-          </a:p>
-          <a:p>
-            <a:pPr marL="0" indent="0">
-              <a:buNone/>
-            </a:pPr>
-            <a:endParaRPr lang="en-GB" sz="1600" dirty="0"/>
-          </a:p>
-          <a:p>
-            <a:pPr marL="0" indent="0">
-              <a:buNone/>
-            </a:pPr>
-            <a:r>
-              <a:rPr lang="en-GB" sz="1600" b="1" dirty="0" smtClean="0"/>
-              <a:t>Map:-</a:t>
-            </a:r>
-          </a:p>
-          <a:p>
-            <a:r>
-              <a:rPr lang="en-GB" sz="1600" dirty="0" smtClean="0"/>
-              <a:t>A grouping of data by key to value, which are tuple “entries”</a:t>
-            </a:r>
-          </a:p>
-          <a:p>
-            <a:r>
-              <a:rPr lang="en-GB" sz="1600" dirty="0" smtClean="0"/>
-              <a:t>Common implementations – </a:t>
-            </a:r>
-            <a:r>
-              <a:rPr lang="en-GB" sz="1600" dirty="0" err="1" smtClean="0"/>
-              <a:t>HashMap</a:t>
-            </a:r>
-            <a:r>
-              <a:rPr lang="en-GB" sz="1600" dirty="0" smtClean="0"/>
-              <a:t>, </a:t>
-            </a:r>
-            <a:r>
-              <a:rPr lang="en-GB" sz="1600" dirty="0" err="1" smtClean="0"/>
-              <a:t>TreeMap</a:t>
-            </a:r>
-            <a:endParaRPr lang="en-GB" sz="1600" dirty="0" smtClean="0"/>
-          </a:p>
-          <a:p>
-            <a:endParaRPr lang="en-GB" sz="1600" dirty="0" smtClean="0"/>
-          </a:p>
-        </p:txBody>
-      </p:sp>
-    </p:spTree>
-    <p:extLst>
-      <p:ext uri="{BB962C8B-B14F-4D97-AF65-F5344CB8AC3E}">
-        <p14:creationId xmlns:p14="http://schemas.microsoft.com/office/powerpoint/2010/main" val="1500972101"/>
       </p:ext>
     </p:extLst>
   </p:cSld>

--- a/Scala_Features.pptx
+++ b/Scala_Features.pptx
@@ -19,7 +19,8 @@
     <p:sldId id="276" r:id="rId13"/>
     <p:sldId id="277" r:id="rId14"/>
     <p:sldId id="278" r:id="rId15"/>
-    <p:sldId id="269" r:id="rId16"/>
+    <p:sldId id="282" r:id="rId16"/>
+    <p:sldId id="269" r:id="rId17"/>
   </p:sldIdLst>
   <p:sldSz cx="9144000" cy="6858000" type="screen4x3"/>
   <p:notesSz cx="6858000" cy="9144000"/>
@@ -309,7 +310,7 @@
           <a:p>
             <a:fld id="{8F235549-BF0A-4B98-8561-3786244E808C}" type="datetimeFigureOut">
               <a:rPr lang="en-US" smtClean="0"/>
-              <a:t>5/13/2017</a:t>
+              <a:t>5/30/2017</a:t>
             </a:fld>
             <a:endParaRPr lang="en-US"/>
           </a:p>
@@ -509,7 +510,7 @@
           <a:p>
             <a:fld id="{8F235549-BF0A-4B98-8561-3786244E808C}" type="datetimeFigureOut">
               <a:rPr lang="en-US" smtClean="0"/>
-              <a:t>5/13/2017</a:t>
+              <a:t>5/30/2017</a:t>
             </a:fld>
             <a:endParaRPr lang="en-US"/>
           </a:p>
@@ -684,7 +685,7 @@
           <a:p>
             <a:fld id="{8F235549-BF0A-4B98-8561-3786244E808C}" type="datetimeFigureOut">
               <a:rPr lang="en-US" smtClean="0"/>
-              <a:t>5/13/2017</a:t>
+              <a:t>5/30/2017</a:t>
             </a:fld>
             <a:endParaRPr lang="en-US"/>
           </a:p>
@@ -849,7 +850,7 @@
           <a:p>
             <a:fld id="{8F235549-BF0A-4B98-8561-3786244E808C}" type="datetimeFigureOut">
               <a:rPr lang="en-US" smtClean="0"/>
-              <a:t>5/13/2017</a:t>
+              <a:t>5/30/2017</a:t>
             </a:fld>
             <a:endParaRPr lang="en-US"/>
           </a:p>
@@ -1097,7 +1098,7 @@
           <a:p>
             <a:fld id="{8F235549-BF0A-4B98-8561-3786244E808C}" type="datetimeFigureOut">
               <a:rPr lang="en-US" smtClean="0"/>
-              <a:t>5/13/2017</a:t>
+              <a:t>5/30/2017</a:t>
             </a:fld>
             <a:endParaRPr lang="en-US"/>
           </a:p>
@@ -1415,7 +1416,7 @@
           <a:p>
             <a:fld id="{8F235549-BF0A-4B98-8561-3786244E808C}" type="datetimeFigureOut">
               <a:rPr lang="en-US" smtClean="0"/>
-              <a:t>5/13/2017</a:t>
+              <a:t>5/30/2017</a:t>
             </a:fld>
             <a:endParaRPr lang="en-US"/>
           </a:p>
@@ -1881,7 +1882,7 @@
           <a:p>
             <a:fld id="{8F235549-BF0A-4B98-8561-3786244E808C}" type="datetimeFigureOut">
               <a:rPr lang="en-US" smtClean="0"/>
-              <a:t>5/13/2017</a:t>
+              <a:t>5/30/2017</a:t>
             </a:fld>
             <a:endParaRPr lang="en-US"/>
           </a:p>
@@ -2029,7 +2030,7 @@
           <a:p>
             <a:fld id="{8F235549-BF0A-4B98-8561-3786244E808C}" type="datetimeFigureOut">
               <a:rPr lang="en-US" smtClean="0"/>
-              <a:t>5/13/2017</a:t>
+              <a:t>5/30/2017</a:t>
             </a:fld>
             <a:endParaRPr lang="en-US"/>
           </a:p>
@@ -2119,7 +2120,7 @@
           <a:p>
             <a:fld id="{8F235549-BF0A-4B98-8561-3786244E808C}" type="datetimeFigureOut">
               <a:rPr lang="en-US" smtClean="0"/>
-              <a:t>5/13/2017</a:t>
+              <a:t>5/30/2017</a:t>
             </a:fld>
             <a:endParaRPr lang="en-US"/>
           </a:p>
@@ -2393,7 +2394,7 @@
           <a:p>
             <a:fld id="{8F235549-BF0A-4B98-8561-3786244E808C}" type="datetimeFigureOut">
               <a:rPr lang="en-US" smtClean="0"/>
-              <a:t>5/13/2017</a:t>
+              <a:t>5/30/2017</a:t>
             </a:fld>
             <a:endParaRPr lang="en-US"/>
           </a:p>
@@ -2698,7 +2699,7 @@
           <a:p>
             <a:fld id="{8F235549-BF0A-4B98-8561-3786244E808C}" type="datetimeFigureOut">
               <a:rPr lang="en-US" smtClean="0"/>
-              <a:t>5/13/2017</a:t>
+              <a:t>5/30/2017</a:t>
             </a:fld>
             <a:endParaRPr lang="en-US"/>
           </a:p>
@@ -2996,7 +2997,7 @@
           <a:p>
             <a:fld id="{8F235549-BF0A-4B98-8561-3786244E808C}" type="datetimeFigureOut">
               <a:rPr lang="en-US" smtClean="0"/>
-              <a:t>5/13/2017</a:t>
+              <a:t>5/30/2017</a:t>
             </a:fld>
             <a:endParaRPr lang="en-US"/>
           </a:p>
@@ -4417,6 +4418,111 @@
 </file>
 
 <file path=ppt/slides/slide15.xml><?xml version="1.0" encoding="utf-8"?>
+<p:sld xmlns:a="http://schemas.openxmlformats.org/drawingml/2006/main" xmlns:r="http://schemas.openxmlformats.org/officeDocument/2006/relationships" xmlns:p="http://schemas.openxmlformats.org/presentationml/2006/main">
+  <p:cSld>
+    <p:spTree>
+      <p:nvGrpSpPr>
+        <p:cNvPr id="1" name=""/>
+        <p:cNvGrpSpPr/>
+        <p:nvPr/>
+      </p:nvGrpSpPr>
+      <p:grpSpPr>
+        <a:xfrm>
+          <a:off x="0" y="0"/>
+          <a:ext cx="0" cy="0"/>
+          <a:chOff x="0" y="0"/>
+          <a:chExt cx="0" cy="0"/>
+        </a:xfrm>
+      </p:grpSpPr>
+      <p:sp>
+        <p:nvSpPr>
+          <p:cNvPr id="2" name="Title 1"/>
+          <p:cNvSpPr>
+            <a:spLocks noGrp="1"/>
+          </p:cNvSpPr>
+          <p:nvPr>
+            <p:ph type="title"/>
+          </p:nvPr>
+        </p:nvSpPr>
+        <p:spPr/>
+        <p:txBody>
+          <a:bodyPr/>
+          <a:lstStyle/>
+          <a:p>
+            <a:r>
+              <a:rPr lang="en-US" dirty="0" smtClean="0"/>
+              <a:t>Local Type Inference</a:t>
+            </a:r>
+            <a:endParaRPr lang="en-US" dirty="0"/>
+          </a:p>
+        </p:txBody>
+      </p:sp>
+      <p:sp>
+        <p:nvSpPr>
+          <p:cNvPr id="3" name="Content Placeholder 2"/>
+          <p:cNvSpPr>
+            <a:spLocks noGrp="1"/>
+          </p:cNvSpPr>
+          <p:nvPr>
+            <p:ph idx="1"/>
+          </p:nvPr>
+        </p:nvSpPr>
+        <p:spPr/>
+        <p:txBody>
+          <a:bodyPr>
+            <a:normAutofit/>
+          </a:bodyPr>
+          <a:lstStyle/>
+          <a:p>
+            <a:r>
+              <a:rPr lang="en-GB" sz="1600" dirty="0"/>
+              <a:t>Scala has a </a:t>
+            </a:r>
+            <a:r>
+              <a:rPr lang="en-GB" sz="1600" b="1" dirty="0"/>
+              <a:t>built-in type inference mechanism </a:t>
+            </a:r>
+            <a:r>
+              <a:rPr lang="en-GB" sz="1600" dirty="0"/>
+              <a:t>which allows the programmer to omit certain type annotations. It is, for instance, often </a:t>
+            </a:r>
+            <a:r>
+              <a:rPr lang="en-GB" sz="1600" b="1" dirty="0">
+                <a:solidFill>
+                  <a:srgbClr val="00B050"/>
+                </a:solidFill>
+              </a:rPr>
+              <a:t>not necessary in Scala to specify the type of a variable</a:t>
+            </a:r>
+            <a:r>
+              <a:rPr lang="en-GB" sz="1600" dirty="0"/>
+              <a:t>, since the compiler can deduce the type from the initialization expression of the variable. Also return types of methods can often be omitted since they correspond to the type of the body, which gets inferred by the compiler.</a:t>
+            </a:r>
+            <a:endParaRPr lang="en-GB" sz="1600" dirty="0" smtClean="0"/>
+          </a:p>
+        </p:txBody>
+      </p:sp>
+    </p:spTree>
+    <p:extLst>
+      <p:ext uri="{BB962C8B-B14F-4D97-AF65-F5344CB8AC3E}">
+        <p14:creationId xmlns:p14="http://schemas.microsoft.com/office/powerpoint/2010/main" val="3504631349"/>
+      </p:ext>
+    </p:extLst>
+  </p:cSld>
+  <p:clrMapOvr>
+    <a:masterClrMapping/>
+  </p:clrMapOvr>
+  <p:timing>
+    <p:tnLst>
+      <p:par>
+        <p:cTn id="1" dur="indefinite" restart="never" nodeType="tmRoot"/>
+      </p:par>
+    </p:tnLst>
+  </p:timing>
+</p:sld>
+</file>
+
+<file path=ppt/slides/slide16.xml><?xml version="1.0" encoding="utf-8"?>
 <p:sld xmlns:a="http://schemas.openxmlformats.org/drawingml/2006/main" xmlns:r="http://schemas.openxmlformats.org/officeDocument/2006/relationships" xmlns:p="http://schemas.openxmlformats.org/presentationml/2006/main">
   <p:cSld>
     <p:spTree>

--- a/Scala_Features.pptx
+++ b/Scala_Features.pptx
@@ -20,7 +20,9 @@
     <p:sldId id="277" r:id="rId14"/>
     <p:sldId id="278" r:id="rId15"/>
     <p:sldId id="282" r:id="rId16"/>
-    <p:sldId id="269" r:id="rId17"/>
+    <p:sldId id="283" r:id="rId17"/>
+    <p:sldId id="284" r:id="rId18"/>
+    <p:sldId id="269" r:id="rId19"/>
   </p:sldIdLst>
   <p:sldSz cx="9144000" cy="6858000" type="screen4x3"/>
   <p:notesSz cx="6858000" cy="9144000"/>
@@ -310,7 +312,7 @@
           <a:p>
             <a:fld id="{8F235549-BF0A-4B98-8561-3786244E808C}" type="datetimeFigureOut">
               <a:rPr lang="en-US" smtClean="0"/>
-              <a:t>5/30/2017</a:t>
+              <a:t>5/31/2017</a:t>
             </a:fld>
             <a:endParaRPr lang="en-US"/>
           </a:p>
@@ -510,7 +512,7 @@
           <a:p>
             <a:fld id="{8F235549-BF0A-4B98-8561-3786244E808C}" type="datetimeFigureOut">
               <a:rPr lang="en-US" smtClean="0"/>
-              <a:t>5/30/2017</a:t>
+              <a:t>5/31/2017</a:t>
             </a:fld>
             <a:endParaRPr lang="en-US"/>
           </a:p>
@@ -685,7 +687,7 @@
           <a:p>
             <a:fld id="{8F235549-BF0A-4B98-8561-3786244E808C}" type="datetimeFigureOut">
               <a:rPr lang="en-US" smtClean="0"/>
-              <a:t>5/30/2017</a:t>
+              <a:t>5/31/2017</a:t>
             </a:fld>
             <a:endParaRPr lang="en-US"/>
           </a:p>
@@ -850,7 +852,7 @@
           <a:p>
             <a:fld id="{8F235549-BF0A-4B98-8561-3786244E808C}" type="datetimeFigureOut">
               <a:rPr lang="en-US" smtClean="0"/>
-              <a:t>5/30/2017</a:t>
+              <a:t>5/31/2017</a:t>
             </a:fld>
             <a:endParaRPr lang="en-US"/>
           </a:p>
@@ -1098,7 +1100,7 @@
           <a:p>
             <a:fld id="{8F235549-BF0A-4B98-8561-3786244E808C}" type="datetimeFigureOut">
               <a:rPr lang="en-US" smtClean="0"/>
-              <a:t>5/30/2017</a:t>
+              <a:t>5/31/2017</a:t>
             </a:fld>
             <a:endParaRPr lang="en-US"/>
           </a:p>
@@ -1416,7 +1418,7 @@
           <a:p>
             <a:fld id="{8F235549-BF0A-4B98-8561-3786244E808C}" type="datetimeFigureOut">
               <a:rPr lang="en-US" smtClean="0"/>
-              <a:t>5/30/2017</a:t>
+              <a:t>5/31/2017</a:t>
             </a:fld>
             <a:endParaRPr lang="en-US"/>
           </a:p>
@@ -1882,7 +1884,7 @@
           <a:p>
             <a:fld id="{8F235549-BF0A-4B98-8561-3786244E808C}" type="datetimeFigureOut">
               <a:rPr lang="en-US" smtClean="0"/>
-              <a:t>5/30/2017</a:t>
+              <a:t>5/31/2017</a:t>
             </a:fld>
             <a:endParaRPr lang="en-US"/>
           </a:p>
@@ -2030,7 +2032,7 @@
           <a:p>
             <a:fld id="{8F235549-BF0A-4B98-8561-3786244E808C}" type="datetimeFigureOut">
               <a:rPr lang="en-US" smtClean="0"/>
-              <a:t>5/30/2017</a:t>
+              <a:t>5/31/2017</a:t>
             </a:fld>
             <a:endParaRPr lang="en-US"/>
           </a:p>
@@ -2120,7 +2122,7 @@
           <a:p>
             <a:fld id="{8F235549-BF0A-4B98-8561-3786244E808C}" type="datetimeFigureOut">
               <a:rPr lang="en-US" smtClean="0"/>
-              <a:t>5/30/2017</a:t>
+              <a:t>5/31/2017</a:t>
             </a:fld>
             <a:endParaRPr lang="en-US"/>
           </a:p>
@@ -2394,7 +2396,7 @@
           <a:p>
             <a:fld id="{8F235549-BF0A-4B98-8561-3786244E808C}" type="datetimeFigureOut">
               <a:rPr lang="en-US" smtClean="0"/>
-              <a:t>5/30/2017</a:t>
+              <a:t>5/31/2017</a:t>
             </a:fld>
             <a:endParaRPr lang="en-US"/>
           </a:p>
@@ -2699,7 +2701,7 @@
           <a:p>
             <a:fld id="{8F235549-BF0A-4B98-8561-3786244E808C}" type="datetimeFigureOut">
               <a:rPr lang="en-US" smtClean="0"/>
-              <a:t>5/30/2017</a:t>
+              <a:t>5/31/2017</a:t>
             </a:fld>
             <a:endParaRPr lang="en-US"/>
           </a:p>
@@ -2997,7 +2999,7 @@
           <a:p>
             <a:fld id="{8F235549-BF0A-4B98-8561-3786244E808C}" type="datetimeFigureOut">
               <a:rPr lang="en-US" smtClean="0"/>
-              <a:t>5/30/2017</a:t>
+              <a:t>5/31/2017</a:t>
             </a:fld>
             <a:endParaRPr lang="en-US"/>
           </a:p>
@@ -4556,6 +4558,288 @@
           <a:p>
             <a:r>
               <a:rPr lang="en-US" dirty="0" smtClean="0"/>
+              <a:t>Traits</a:t>
+            </a:r>
+            <a:endParaRPr lang="en-US" dirty="0"/>
+          </a:p>
+        </p:txBody>
+      </p:sp>
+      <p:sp>
+        <p:nvSpPr>
+          <p:cNvPr id="3" name="Content Placeholder 2"/>
+          <p:cNvSpPr>
+            <a:spLocks noGrp="1"/>
+          </p:cNvSpPr>
+          <p:nvPr>
+            <p:ph idx="1"/>
+          </p:nvPr>
+        </p:nvSpPr>
+        <p:spPr/>
+        <p:txBody>
+          <a:bodyPr>
+            <a:normAutofit/>
+          </a:bodyPr>
+          <a:lstStyle/>
+          <a:p>
+            <a:r>
+              <a:rPr lang="en-GB" sz="1600" dirty="0" smtClean="0"/>
+              <a:t>Traits are used:- </a:t>
+            </a:r>
+          </a:p>
+          <a:p>
+            <a:pPr lvl="1">
+              <a:buFont typeface="Wingdings" panose="05000000000000000000" pitchFamily="2" charset="2"/>
+              <a:buChar char="Ø"/>
+            </a:pPr>
+            <a:r>
+              <a:rPr lang="en-GB" sz="1600" dirty="0"/>
+              <a:t>W</a:t>
+            </a:r>
+            <a:r>
+              <a:rPr lang="en-GB" sz="1600" dirty="0" smtClean="0"/>
+              <a:t>hen they are extended by unrelated classes</a:t>
+            </a:r>
+          </a:p>
+          <a:p>
+            <a:pPr lvl="1">
+              <a:buFont typeface="Wingdings" panose="05000000000000000000" pitchFamily="2" charset="2"/>
+              <a:buChar char="Ø"/>
+            </a:pPr>
+            <a:r>
+              <a:rPr lang="en-GB" sz="1600" dirty="0" smtClean="0"/>
+              <a:t>Require dependency injection</a:t>
+            </a:r>
+            <a:endParaRPr lang="en-GB" sz="1600" dirty="0" smtClean="0"/>
+          </a:p>
+          <a:p>
+            <a:r>
+              <a:rPr lang="en-GB" sz="1600" dirty="0" smtClean="0"/>
+              <a:t>Traits – enables </a:t>
+            </a:r>
+            <a:r>
+              <a:rPr lang="en-GB" sz="1600" b="1" dirty="0" smtClean="0"/>
+              <a:t>multiple inheritance</a:t>
+            </a:r>
+          </a:p>
+          <a:p>
+            <a:r>
+              <a:rPr lang="en-GB" sz="1600" dirty="0" smtClean="0"/>
+              <a:t>Traits – </a:t>
+            </a:r>
+            <a:r>
+              <a:rPr lang="en-GB" sz="1600" b="1" dirty="0" smtClean="0">
+                <a:solidFill>
+                  <a:srgbClr val="FF0000"/>
+                </a:solidFill>
+              </a:rPr>
+              <a:t>can’t</a:t>
+            </a:r>
+            <a:r>
+              <a:rPr lang="en-GB" sz="1600" dirty="0" smtClean="0"/>
+              <a:t> be instantiated </a:t>
+            </a:r>
+          </a:p>
+          <a:p>
+            <a:r>
+              <a:rPr lang="en-GB" sz="1600" dirty="0" smtClean="0"/>
+              <a:t>Traits – A class can have multiple Traits</a:t>
+            </a:r>
+            <a:endParaRPr lang="en-GB" sz="1600" dirty="0" smtClean="0"/>
+          </a:p>
+        </p:txBody>
+      </p:sp>
+    </p:spTree>
+    <p:extLst>
+      <p:ext uri="{BB962C8B-B14F-4D97-AF65-F5344CB8AC3E}">
+        <p14:creationId xmlns:p14="http://schemas.microsoft.com/office/powerpoint/2010/main" val="2179054776"/>
+      </p:ext>
+    </p:extLst>
+  </p:cSld>
+  <p:clrMapOvr>
+    <a:masterClrMapping/>
+  </p:clrMapOvr>
+  <p:timing>
+    <p:tnLst>
+      <p:par>
+        <p:cTn id="1" dur="indefinite" restart="never" nodeType="tmRoot"/>
+      </p:par>
+    </p:tnLst>
+  </p:timing>
+</p:sld>
+</file>
+
+<file path=ppt/slides/slide17.xml><?xml version="1.0" encoding="utf-8"?>
+<p:sld xmlns:a="http://schemas.openxmlformats.org/drawingml/2006/main" xmlns:r="http://schemas.openxmlformats.org/officeDocument/2006/relationships" xmlns:p="http://schemas.openxmlformats.org/presentationml/2006/main">
+  <p:cSld>
+    <p:spTree>
+      <p:nvGrpSpPr>
+        <p:cNvPr id="1" name=""/>
+        <p:cNvGrpSpPr/>
+        <p:nvPr/>
+      </p:nvGrpSpPr>
+      <p:grpSpPr>
+        <a:xfrm>
+          <a:off x="0" y="0"/>
+          <a:ext cx="0" cy="0"/>
+          <a:chOff x="0" y="0"/>
+          <a:chExt cx="0" cy="0"/>
+        </a:xfrm>
+      </p:grpSpPr>
+      <p:sp>
+        <p:nvSpPr>
+          <p:cNvPr id="2" name="Title 1"/>
+          <p:cNvSpPr>
+            <a:spLocks noGrp="1"/>
+          </p:cNvSpPr>
+          <p:nvPr>
+            <p:ph type="title"/>
+          </p:nvPr>
+        </p:nvSpPr>
+        <p:spPr/>
+        <p:txBody>
+          <a:bodyPr/>
+          <a:lstStyle/>
+          <a:p>
+            <a:r>
+              <a:rPr lang="en-US" dirty="0" smtClean="0"/>
+              <a:t>Monad</a:t>
+            </a:r>
+            <a:endParaRPr lang="en-US" dirty="0"/>
+          </a:p>
+        </p:txBody>
+      </p:sp>
+      <p:sp>
+        <p:nvSpPr>
+          <p:cNvPr id="3" name="Content Placeholder 2"/>
+          <p:cNvSpPr>
+            <a:spLocks noGrp="1"/>
+          </p:cNvSpPr>
+          <p:nvPr>
+            <p:ph idx="1"/>
+          </p:nvPr>
+        </p:nvSpPr>
+        <p:spPr/>
+        <p:txBody>
+          <a:bodyPr>
+            <a:normAutofit/>
+          </a:bodyPr>
+          <a:lstStyle/>
+          <a:p>
+            <a:r>
+              <a:rPr lang="en-GB" sz="1600" dirty="0" smtClean="0"/>
+              <a:t>Monad is a wrapper </a:t>
+            </a:r>
+          </a:p>
+          <a:p>
+            <a:pPr fontAlgn="base"/>
+            <a:r>
+              <a:rPr lang="en-GB" sz="1600" dirty="0"/>
+              <a:t>Monads in Scala are used to wrap objects and provide two important operations –</a:t>
+            </a:r>
+          </a:p>
+          <a:p>
+            <a:pPr fontAlgn="base">
+              <a:buFont typeface="Wingdings" panose="05000000000000000000" pitchFamily="2" charset="2"/>
+              <a:buChar char="Ø"/>
+            </a:pPr>
+            <a:r>
+              <a:rPr lang="en-GB" sz="1600" dirty="0"/>
+              <a:t>Identity through </a:t>
+            </a:r>
+            <a:r>
+              <a:rPr lang="en-GB" sz="1600" b="1" dirty="0"/>
+              <a:t>“unit”</a:t>
+            </a:r>
+            <a:r>
+              <a:rPr lang="en-GB" sz="1600" dirty="0"/>
+              <a:t> in Scala</a:t>
+            </a:r>
+          </a:p>
+          <a:p>
+            <a:pPr fontAlgn="base">
+              <a:buFont typeface="Wingdings" panose="05000000000000000000" pitchFamily="2" charset="2"/>
+              <a:buChar char="Ø"/>
+            </a:pPr>
+            <a:r>
+              <a:rPr lang="en-GB" sz="1600" dirty="0"/>
+              <a:t>Bind through </a:t>
+            </a:r>
+            <a:r>
+              <a:rPr lang="en-GB" sz="1600" b="1" dirty="0"/>
+              <a:t>“</a:t>
+            </a:r>
+            <a:r>
+              <a:rPr lang="en-GB" sz="1600" b="1" dirty="0" err="1"/>
+              <a:t>flatMap</a:t>
+            </a:r>
+            <a:r>
+              <a:rPr lang="en-GB" sz="1600" b="1" dirty="0"/>
+              <a:t>” </a:t>
+            </a:r>
+            <a:r>
+              <a:rPr lang="en-GB" sz="1600" dirty="0"/>
+              <a:t>in Scala</a:t>
+            </a:r>
+          </a:p>
+          <a:p>
+            <a:endParaRPr lang="en-GB" sz="1600" dirty="0" smtClean="0"/>
+          </a:p>
+        </p:txBody>
+      </p:sp>
+    </p:spTree>
+    <p:extLst>
+      <p:ext uri="{BB962C8B-B14F-4D97-AF65-F5344CB8AC3E}">
+        <p14:creationId xmlns:p14="http://schemas.microsoft.com/office/powerpoint/2010/main" val="2108160967"/>
+      </p:ext>
+    </p:extLst>
+  </p:cSld>
+  <p:clrMapOvr>
+    <a:masterClrMapping/>
+  </p:clrMapOvr>
+  <p:timing>
+    <p:tnLst>
+      <p:par>
+        <p:cTn id="1" dur="indefinite" restart="never" nodeType="tmRoot"/>
+      </p:par>
+    </p:tnLst>
+  </p:timing>
+</p:sld>
+</file>
+
+<file path=ppt/slides/slide18.xml><?xml version="1.0" encoding="utf-8"?>
+<p:sld xmlns:a="http://schemas.openxmlformats.org/drawingml/2006/main" xmlns:r="http://schemas.openxmlformats.org/officeDocument/2006/relationships" xmlns:p="http://schemas.openxmlformats.org/presentationml/2006/main">
+  <p:cSld>
+    <p:spTree>
+      <p:nvGrpSpPr>
+        <p:cNvPr id="1" name=""/>
+        <p:cNvGrpSpPr/>
+        <p:nvPr/>
+      </p:nvGrpSpPr>
+      <p:grpSpPr>
+        <a:xfrm>
+          <a:off x="0" y="0"/>
+          <a:ext cx="0" cy="0"/>
+          <a:chOff x="0" y="0"/>
+          <a:chExt cx="0" cy="0"/>
+        </a:xfrm>
+      </p:grpSpPr>
+      <p:sp>
+        <p:nvSpPr>
+          <p:cNvPr id="2" name="Title 1"/>
+          <p:cNvSpPr>
+            <a:spLocks noGrp="1"/>
+          </p:cNvSpPr>
+          <p:nvPr>
+            <p:ph type="title"/>
+          </p:nvPr>
+        </p:nvSpPr>
+        <p:spPr/>
+        <p:txBody>
+          <a:bodyPr/>
+          <a:lstStyle/>
+          <a:p>
+            <a:r>
+              <a:rPr lang="en-US" dirty="0" smtClean="0"/>
               <a:t>References</a:t>
             </a:r>
             <a:endParaRPr lang="en-US" dirty="0"/>
@@ -4610,8 +4894,23 @@
           </a:p>
           <a:p>
             <a:r>
-              <a:rPr lang="en-US" sz="1600"/>
-              <a:t>http://joelabrahamsson.com/learning-scala-part-four-classes-and-constructors/</a:t>
+              <a:rPr lang="en-US" sz="1600" dirty="0">
+                <a:hlinkClick r:id="rId4"/>
+              </a:rPr>
+              <a:t>http://joelabrahamsson.com/learning-scala-part-four-classes-and-constructors</a:t>
+            </a:r>
+            <a:r>
+              <a:rPr lang="en-US" sz="1600" dirty="0" smtClean="0">
+                <a:hlinkClick r:id="rId4"/>
+              </a:rPr>
+              <a:t>/</a:t>
+            </a:r>
+            <a:endParaRPr lang="en-US" sz="1600" dirty="0" smtClean="0"/>
+          </a:p>
+          <a:p>
+            <a:r>
+              <a:rPr lang="en-US" sz="1600" dirty="0"/>
+              <a:t>https://www.dezyre.com/article/scala-interview-questions-and-answers-for-spark-developers/302</a:t>
             </a:r>
             <a:endParaRPr lang="en-US" sz="1600" dirty="0" smtClean="0"/>
           </a:p>
